--- a/ppt/IoT20-MicropythonBus.pptx
+++ b/ppt/IoT20-MicropythonBus.pptx
@@ -5,10 +5,10 @@
     <p:sldMasterId id="2147483653" r:id="rId1"/>
   </p:sldMasterIdLst>
   <p:notesMasterIdLst>
-    <p:notesMasterId r:id="rId19"/>
+    <p:notesMasterId r:id="rId22"/>
   </p:notesMasterIdLst>
   <p:handoutMasterIdLst>
-    <p:handoutMasterId r:id="rId20"/>
+    <p:handoutMasterId r:id="rId23"/>
   </p:handoutMasterIdLst>
   <p:sldIdLst>
     <p:sldId id="264" r:id="rId2"/>
@@ -23,11 +23,14 @@
     <p:sldId id="285" r:id="rId11"/>
     <p:sldId id="297" r:id="rId12"/>
     <p:sldId id="299" r:id="rId13"/>
-    <p:sldId id="292" r:id="rId14"/>
-    <p:sldId id="293" r:id="rId15"/>
-    <p:sldId id="296" r:id="rId16"/>
-    <p:sldId id="300" r:id="rId17"/>
-    <p:sldId id="301" r:id="rId18"/>
+    <p:sldId id="303" r:id="rId14"/>
+    <p:sldId id="292" r:id="rId15"/>
+    <p:sldId id="293" r:id="rId16"/>
+    <p:sldId id="304" r:id="rId17"/>
+    <p:sldId id="296" r:id="rId18"/>
+    <p:sldId id="302" r:id="rId19"/>
+    <p:sldId id="300" r:id="rId20"/>
+    <p:sldId id="301" r:id="rId21"/>
   </p:sldIdLst>
   <p:sldSz cx="9144000" cy="6858000" type="screen4x3"/>
   <p:notesSz cx="6648450" cy="9782175"/>
@@ -4223,6 +4226,217 @@
           <p:cNvPr id="2" name="Titre 1">
             <a:extLst>
               <a:ext uri="{FF2B5EF4-FFF2-40B4-BE49-F238E27FC236}">
+                <a16:creationId xmlns:a16="http://schemas.microsoft.com/office/drawing/2014/main" id="{2A65F0FF-BCB0-4C61-BD54-F5C500132340}"/>
+              </a:ext>
+            </a:extLst>
+          </p:cNvPr>
+          <p:cNvSpPr>
+            <a:spLocks noGrp="1"/>
+          </p:cNvSpPr>
+          <p:nvPr>
+            <p:ph type="title"/>
+          </p:nvPr>
+        </p:nvSpPr>
+        <p:spPr/>
+        <p:txBody>
+          <a:bodyPr/>
+          <a:lstStyle/>
+          <a:p>
+            <a:r>
+              <a:rPr lang="fr-FR" dirty="0"/>
+              <a:t>Ecran OLED</a:t>
+            </a:r>
+          </a:p>
+        </p:txBody>
+      </p:sp>
+      <p:sp>
+        <p:nvSpPr>
+          <p:cNvPr id="3" name="Espace réservé du contenu 2">
+            <a:extLst>
+              <a:ext uri="{FF2B5EF4-FFF2-40B4-BE49-F238E27FC236}">
+                <a16:creationId xmlns:a16="http://schemas.microsoft.com/office/drawing/2014/main" id="{B9BFC818-01C9-A9B3-A2C4-7DD50407270F}"/>
+              </a:ext>
+            </a:extLst>
+          </p:cNvPr>
+          <p:cNvSpPr>
+            <a:spLocks noGrp="1"/>
+          </p:cNvSpPr>
+          <p:nvPr>
+            <p:ph idx="1"/>
+          </p:nvPr>
+        </p:nvSpPr>
+        <p:spPr/>
+        <p:txBody>
+          <a:bodyPr/>
+          <a:lstStyle/>
+          <a:p>
+            <a:r>
+              <a:rPr lang="fr-FR" dirty="0"/>
+              <a:t>Ecran OLED SSD1306 0.98 </a:t>
+            </a:r>
+            <a:r>
+              <a:rPr lang="fr-FR" dirty="0" err="1"/>
+              <a:t>inch</a:t>
+            </a:r>
+            <a:endParaRPr lang="fr-FR" dirty="0"/>
+          </a:p>
+          <a:p>
+            <a:pPr lvl="1"/>
+            <a:r>
+              <a:rPr lang="fr-FR" dirty="0"/>
+              <a:t>3.3V uniquement</a:t>
+            </a:r>
+          </a:p>
+          <a:p>
+            <a:endParaRPr lang="fr-FR" dirty="0"/>
+          </a:p>
+          <a:p>
+            <a:endParaRPr lang="fr-FR" dirty="0"/>
+          </a:p>
+        </p:txBody>
+      </p:sp>
+      <p:pic>
+        <p:nvPicPr>
+          <p:cNvPr id="1026" name="Picture 2" descr="Warning, Warning sign Icon, Warning sign, illustration.sign, Red warning">
+            <a:extLst>
+              <a:ext uri="{FF2B5EF4-FFF2-40B4-BE49-F238E27FC236}">
+                <a16:creationId xmlns:a16="http://schemas.microsoft.com/office/drawing/2014/main" id="{94575C41-31FC-B284-B372-8B4D06F89B05}"/>
+              </a:ext>
+            </a:extLst>
+          </p:cNvPr>
+          <p:cNvPicPr>
+            <a:picLocks noChangeAspect="1" noChangeArrowheads="1"/>
+          </p:cNvPicPr>
+          <p:nvPr/>
+        </p:nvPicPr>
+        <p:blipFill>
+          <a:blip r:embed="rId2" cstate="print">
+            <a:extLst>
+              <a:ext uri="{28A0092B-C50C-407E-A947-70E740481C1C}">
+                <a14:useLocalDpi xmlns:a14="http://schemas.microsoft.com/office/drawing/2010/main" val="0"/>
+              </a:ext>
+            </a:extLst>
+          </a:blip>
+          <a:srcRect/>
+          <a:stretch>
+            <a:fillRect/>
+          </a:stretch>
+        </p:blipFill>
+        <p:spPr bwMode="auto">
+          <a:xfrm>
+            <a:off x="26846" y="1916832"/>
+            <a:ext cx="936104" cy="1008791"/>
+          </a:xfrm>
+          <a:prstGeom prst="rect">
+            <a:avLst/>
+          </a:prstGeom>
+          <a:noFill/>
+          <a:extLst>
+            <a:ext uri="{909E8E84-426E-40DD-AFC4-6F175D3DCCD1}">
+              <a14:hiddenFill xmlns:a14="http://schemas.microsoft.com/office/drawing/2010/main">
+                <a:solidFill>
+                  <a:srgbClr val="FFFFFF"/>
+                </a:solidFill>
+              </a14:hiddenFill>
+            </a:ext>
+          </a:extLst>
+        </p:spPr>
+      </p:pic>
+      <p:pic>
+        <p:nvPicPr>
+          <p:cNvPr id="5" name="Image 4">
+            <a:extLst>
+              <a:ext uri="{FF2B5EF4-FFF2-40B4-BE49-F238E27FC236}">
+                <a16:creationId xmlns:a16="http://schemas.microsoft.com/office/drawing/2014/main" id="{A3AA85F3-C8C1-DAA2-EE89-1953F411DB5C}"/>
+              </a:ext>
+            </a:extLst>
+          </p:cNvPr>
+          <p:cNvPicPr>
+            <a:picLocks noChangeAspect="1"/>
+          </p:cNvPicPr>
+          <p:nvPr/>
+        </p:nvPicPr>
+        <p:blipFill>
+          <a:blip r:embed="rId3"/>
+          <a:stretch>
+            <a:fillRect/>
+          </a:stretch>
+        </p:blipFill>
+        <p:spPr>
+          <a:xfrm>
+            <a:off x="3600400" y="2209872"/>
+            <a:ext cx="5638704" cy="4099447"/>
+          </a:xfrm>
+          <a:prstGeom prst="rect">
+            <a:avLst/>
+          </a:prstGeom>
+        </p:spPr>
+      </p:pic>
+      <p:pic>
+        <p:nvPicPr>
+          <p:cNvPr id="7" name="Image 6">
+            <a:extLst>
+              <a:ext uri="{FF2B5EF4-FFF2-40B4-BE49-F238E27FC236}">
+                <a16:creationId xmlns:a16="http://schemas.microsoft.com/office/drawing/2014/main" id="{B12C09FA-485F-A9D6-682A-18AB33BF7D1D}"/>
+              </a:ext>
+            </a:extLst>
+          </p:cNvPr>
+          <p:cNvPicPr>
+            <a:picLocks noChangeAspect="1"/>
+          </p:cNvPicPr>
+          <p:nvPr/>
+        </p:nvPicPr>
+        <p:blipFill>
+          <a:blip r:embed="rId4"/>
+          <a:stretch>
+            <a:fillRect/>
+          </a:stretch>
+        </p:blipFill>
+        <p:spPr>
+          <a:xfrm>
+            <a:off x="0" y="3068960"/>
+            <a:ext cx="3874692" cy="2592288"/>
+          </a:xfrm>
+          <a:prstGeom prst="rect">
+            <a:avLst/>
+          </a:prstGeom>
+        </p:spPr>
+      </p:pic>
+    </p:spTree>
+    <p:extLst>
+      <p:ext uri="{BB962C8B-B14F-4D97-AF65-F5344CB8AC3E}">
+        <p14:creationId xmlns:p14="http://schemas.microsoft.com/office/powerpoint/2010/main" val="4220686390"/>
+      </p:ext>
+    </p:extLst>
+  </p:cSld>
+  <p:clrMapOvr>
+    <a:masterClrMapping/>
+  </p:clrMapOvr>
+</p:sld>
+</file>
+
+<file path=ppt/slides/slide14.xml><?xml version="1.0" encoding="utf-8"?>
+<p:sld xmlns:a="http://schemas.openxmlformats.org/drawingml/2006/main" xmlns:r="http://schemas.openxmlformats.org/officeDocument/2006/relationships" xmlns:p="http://schemas.openxmlformats.org/presentationml/2006/main">
+  <p:cSld>
+    <p:spTree>
+      <p:nvGrpSpPr>
+        <p:cNvPr id="1" name=""/>
+        <p:cNvGrpSpPr/>
+        <p:nvPr/>
+      </p:nvGrpSpPr>
+      <p:grpSpPr>
+        <a:xfrm>
+          <a:off x="0" y="0"/>
+          <a:ext cx="0" cy="0"/>
+          <a:chOff x="0" y="0"/>
+          <a:chExt cx="0" cy="0"/>
+        </a:xfrm>
+      </p:grpSpPr>
+      <p:sp>
+        <p:nvSpPr>
+          <p:cNvPr id="2" name="Titre 1">
+            <a:extLst>
+              <a:ext uri="{FF2B5EF4-FFF2-40B4-BE49-F238E27FC236}">
                 <a16:creationId xmlns:a16="http://schemas.microsoft.com/office/drawing/2014/main" id="{CC87917A-2F17-3A05-54A7-8AC5DE24D85E}"/>
               </a:ext>
             </a:extLst>
@@ -4343,7 +4557,7 @@
 </p:sld>
 </file>
 
-<file path=ppt/slides/slide14.xml><?xml version="1.0" encoding="utf-8"?>
+<file path=ppt/slides/slide15.xml><?xml version="1.0" encoding="utf-8"?>
 <p:sld xmlns:a="http://schemas.openxmlformats.org/drawingml/2006/main" xmlns:r="http://schemas.openxmlformats.org/officeDocument/2006/relationships" xmlns:p="http://schemas.openxmlformats.org/presentationml/2006/main">
   <p:cSld>
     <p:spTree>
@@ -4518,7 +4732,135 @@
 </p:sld>
 </file>
 
-<file path=ppt/slides/slide15.xml><?xml version="1.0" encoding="utf-8"?>
+<file path=ppt/slides/slide16.xml><?xml version="1.0" encoding="utf-8"?>
+<p:sld xmlns:a="http://schemas.openxmlformats.org/drawingml/2006/main" xmlns:r="http://schemas.openxmlformats.org/officeDocument/2006/relationships" xmlns:p="http://schemas.openxmlformats.org/presentationml/2006/main">
+  <p:cSld>
+    <p:spTree>
+      <p:nvGrpSpPr>
+        <p:cNvPr id="1" name=""/>
+        <p:cNvGrpSpPr/>
+        <p:nvPr/>
+      </p:nvGrpSpPr>
+      <p:grpSpPr>
+        <a:xfrm>
+          <a:off x="0" y="0"/>
+          <a:ext cx="0" cy="0"/>
+          <a:chOff x="0" y="0"/>
+          <a:chExt cx="0" cy="0"/>
+        </a:xfrm>
+      </p:grpSpPr>
+      <p:sp>
+        <p:nvSpPr>
+          <p:cNvPr id="2" name="Titre 1">
+            <a:extLst>
+              <a:ext uri="{FF2B5EF4-FFF2-40B4-BE49-F238E27FC236}">
+                <a16:creationId xmlns:a16="http://schemas.microsoft.com/office/drawing/2014/main" id="{729F4542-13A5-51F6-67F3-9AE8E2D4E2AC}"/>
+              </a:ext>
+            </a:extLst>
+          </p:cNvPr>
+          <p:cNvSpPr>
+            <a:spLocks noGrp="1"/>
+          </p:cNvSpPr>
+          <p:nvPr>
+            <p:ph type="title"/>
+          </p:nvPr>
+        </p:nvSpPr>
+        <p:spPr/>
+        <p:txBody>
+          <a:bodyPr/>
+          <a:lstStyle/>
+          <a:p>
+            <a:r>
+              <a:rPr lang="fr-FR" dirty="0" err="1"/>
+              <a:t>Oled</a:t>
+            </a:r>
+            <a:endParaRPr lang="fr-FR" dirty="0"/>
+          </a:p>
+        </p:txBody>
+      </p:sp>
+      <p:sp>
+        <p:nvSpPr>
+          <p:cNvPr id="3" name="Espace réservé du contenu 2">
+            <a:extLst>
+              <a:ext uri="{FF2B5EF4-FFF2-40B4-BE49-F238E27FC236}">
+                <a16:creationId xmlns:a16="http://schemas.microsoft.com/office/drawing/2014/main" id="{A62CDF19-14EA-7993-BF17-6CCB8E9C5FC4}"/>
+              </a:ext>
+            </a:extLst>
+          </p:cNvPr>
+          <p:cNvSpPr>
+            <a:spLocks noGrp="1"/>
+          </p:cNvSpPr>
+          <p:nvPr>
+            <p:ph idx="1"/>
+          </p:nvPr>
+        </p:nvSpPr>
+        <p:spPr/>
+        <p:txBody>
+          <a:bodyPr/>
+          <a:lstStyle/>
+          <a:p>
+            <a:r>
+              <a:rPr lang="fr-FR" dirty="0"/>
+              <a:t>L'écran </a:t>
+            </a:r>
+            <a:r>
+              <a:rPr lang="fr-FR" dirty="0" err="1"/>
+              <a:t>oled</a:t>
+            </a:r>
+            <a:r>
+              <a:rPr lang="fr-FR" dirty="0"/>
+              <a:t> peut également être programmé sur SPI</a:t>
+            </a:r>
+          </a:p>
+          <a:p>
+            <a:endParaRPr lang="fr-FR" dirty="0"/>
+          </a:p>
+        </p:txBody>
+      </p:sp>
+      <p:pic>
+        <p:nvPicPr>
+          <p:cNvPr id="5" name="Image 4">
+            <a:extLst>
+              <a:ext uri="{FF2B5EF4-FFF2-40B4-BE49-F238E27FC236}">
+                <a16:creationId xmlns:a16="http://schemas.microsoft.com/office/drawing/2014/main" id="{EC3B98B9-61BB-B972-093A-C211928A7FFB}"/>
+              </a:ext>
+            </a:extLst>
+          </p:cNvPr>
+          <p:cNvPicPr>
+            <a:picLocks noChangeAspect="1"/>
+          </p:cNvPicPr>
+          <p:nvPr/>
+        </p:nvPicPr>
+        <p:blipFill>
+          <a:blip r:embed="rId2"/>
+          <a:stretch>
+            <a:fillRect/>
+          </a:stretch>
+        </p:blipFill>
+        <p:spPr>
+          <a:xfrm>
+            <a:off x="49168" y="2636912"/>
+            <a:ext cx="9159352" cy="2520280"/>
+          </a:xfrm>
+          <a:prstGeom prst="rect">
+            <a:avLst/>
+          </a:prstGeom>
+        </p:spPr>
+      </p:pic>
+    </p:spTree>
+    <p:extLst>
+      <p:ext uri="{BB962C8B-B14F-4D97-AF65-F5344CB8AC3E}">
+        <p14:creationId xmlns:p14="http://schemas.microsoft.com/office/powerpoint/2010/main" val="1160722570"/>
+      </p:ext>
+    </p:extLst>
+  </p:cSld>
+  <p:clrMapOvr>
+    <a:masterClrMapping/>
+  </p:clrMapOvr>
+</p:sld>
+</file>
+
+<file path=ppt/slides/slide17.xml><?xml version="1.0" encoding="utf-8"?>
 <p:sld xmlns:a="http://schemas.openxmlformats.org/drawingml/2006/main" xmlns:r="http://schemas.openxmlformats.org/officeDocument/2006/relationships" xmlns:p="http://schemas.openxmlformats.org/presentationml/2006/main">
   <p:cSld>
     <p:spTree>
@@ -4698,7 +5040,118 @@
 </p:sld>
 </file>
 
-<file path=ppt/slides/slide16.xml><?xml version="1.0" encoding="utf-8"?>
+<file path=ppt/slides/slide18.xml><?xml version="1.0" encoding="utf-8"?>
+<p:sld xmlns:a="http://schemas.openxmlformats.org/drawingml/2006/main" xmlns:r="http://schemas.openxmlformats.org/officeDocument/2006/relationships" xmlns:p="http://schemas.openxmlformats.org/presentationml/2006/main">
+  <p:cSld>
+    <p:spTree>
+      <p:nvGrpSpPr>
+        <p:cNvPr id="1" name=""/>
+        <p:cNvGrpSpPr/>
+        <p:nvPr/>
+      </p:nvGrpSpPr>
+      <p:grpSpPr>
+        <a:xfrm>
+          <a:off x="0" y="0"/>
+          <a:ext cx="0" cy="0"/>
+          <a:chOff x="0" y="0"/>
+          <a:chExt cx="0" cy="0"/>
+        </a:xfrm>
+      </p:grpSpPr>
+      <p:sp>
+        <p:nvSpPr>
+          <p:cNvPr id="2" name="Titre 1">
+            <a:extLst>
+              <a:ext uri="{FF2B5EF4-FFF2-40B4-BE49-F238E27FC236}">
+                <a16:creationId xmlns:a16="http://schemas.microsoft.com/office/drawing/2014/main" id="{DB0E3986-57CC-0F9B-7D66-A3415E71349F}"/>
+              </a:ext>
+            </a:extLst>
+          </p:cNvPr>
+          <p:cNvSpPr>
+            <a:spLocks noGrp="1"/>
+          </p:cNvSpPr>
+          <p:nvPr>
+            <p:ph type="title"/>
+          </p:nvPr>
+        </p:nvSpPr>
+        <p:spPr/>
+        <p:txBody>
+          <a:bodyPr/>
+          <a:lstStyle/>
+          <a:p>
+            <a:r>
+              <a:rPr lang="fr-FR" dirty="0"/>
+              <a:t>Serial</a:t>
+            </a:r>
+          </a:p>
+        </p:txBody>
+      </p:sp>
+      <p:sp>
+        <p:nvSpPr>
+          <p:cNvPr id="3" name="Espace réservé du contenu 2">
+            <a:extLst>
+              <a:ext uri="{FF2B5EF4-FFF2-40B4-BE49-F238E27FC236}">
+                <a16:creationId xmlns:a16="http://schemas.microsoft.com/office/drawing/2014/main" id="{E0BD9ECE-3D2A-C661-F8A6-27C34527DF66}"/>
+              </a:ext>
+            </a:extLst>
+          </p:cNvPr>
+          <p:cNvSpPr>
+            <a:spLocks noGrp="1"/>
+          </p:cNvSpPr>
+          <p:nvPr>
+            <p:ph idx="1"/>
+          </p:nvPr>
+        </p:nvSpPr>
+        <p:spPr/>
+        <p:txBody>
+          <a:bodyPr/>
+          <a:lstStyle/>
+          <a:p>
+            <a:r>
+              <a:rPr lang="fr-FR" dirty="0"/>
+              <a:t>Communication croisée</a:t>
+            </a:r>
+          </a:p>
+          <a:p>
+            <a:pPr lvl="1"/>
+            <a:r>
+              <a:rPr lang="fr-FR" dirty="0"/>
+              <a:t>RX avec TX</a:t>
+            </a:r>
+          </a:p>
+          <a:p>
+            <a:pPr lvl="1"/>
+            <a:r>
+              <a:rPr lang="fr-FR" dirty="0"/>
+              <a:t>TX avec RX</a:t>
+            </a:r>
+          </a:p>
+          <a:p>
+            <a:pPr lvl="1"/>
+            <a:r>
+              <a:rPr lang="fr-FR" dirty="0"/>
+              <a:t>Masse avec Masse</a:t>
+            </a:r>
+          </a:p>
+          <a:p>
+            <a:pPr lvl="1"/>
+            <a:endParaRPr lang="fr-FR" dirty="0"/>
+          </a:p>
+        </p:txBody>
+      </p:sp>
+    </p:spTree>
+    <p:extLst>
+      <p:ext uri="{BB962C8B-B14F-4D97-AF65-F5344CB8AC3E}">
+        <p14:creationId xmlns:p14="http://schemas.microsoft.com/office/powerpoint/2010/main" val="226010334"/>
+      </p:ext>
+    </p:extLst>
+  </p:cSld>
+  <p:clrMapOvr>
+    <a:masterClrMapping/>
+  </p:clrMapOvr>
+</p:sld>
+</file>
+
+<file path=ppt/slides/slide19.xml><?xml version="1.0" encoding="utf-8"?>
 <p:sld xmlns:a="http://schemas.openxmlformats.org/drawingml/2006/main" xmlns:r="http://schemas.openxmlformats.org/officeDocument/2006/relationships" xmlns:p="http://schemas.openxmlformats.org/presentationml/2006/main">
   <p:cSld>
     <p:spTree>
@@ -4764,7 +5217,17 @@
           <a:bodyPr/>
           <a:lstStyle/>
           <a:p>
-            <a:endParaRPr lang="fr-FR"/>
+            <a:r>
+              <a:rPr lang="fr-FR" dirty="0"/>
+              <a:t>L'USB est gardé pour communiquer avec le PC par UART0</a:t>
+            </a:r>
+          </a:p>
+          <a:p>
+            <a:pPr lvl="1"/>
+            <a:r>
+              <a:rPr lang="fr-FR" dirty="0"/>
+              <a:t>Communication par UART1</a:t>
+            </a:r>
           </a:p>
         </p:txBody>
       </p:sp>
@@ -4797,7 +5260,7 @@
         </p:blipFill>
         <p:spPr bwMode="auto">
           <a:xfrm>
-            <a:off x="0" y="1276350"/>
+            <a:off x="0" y="2852936"/>
             <a:ext cx="9144000" cy="4303713"/>
           </a:xfrm>
           <a:prstGeom prst="rect">
@@ -4819,153 +5282,6 @@
     <p:extLst>
       <p:ext uri="{BB962C8B-B14F-4D97-AF65-F5344CB8AC3E}">
         <p14:creationId xmlns:p14="http://schemas.microsoft.com/office/powerpoint/2010/main" val="207942713"/>
-      </p:ext>
-    </p:extLst>
-  </p:cSld>
-  <p:clrMapOvr>
-    <a:masterClrMapping/>
-  </p:clrMapOvr>
-</p:sld>
-</file>
-
-<file path=ppt/slides/slide17.xml><?xml version="1.0" encoding="utf-8"?>
-<p:sld xmlns:a="http://schemas.openxmlformats.org/drawingml/2006/main" xmlns:r="http://schemas.openxmlformats.org/officeDocument/2006/relationships" xmlns:p="http://schemas.openxmlformats.org/presentationml/2006/main">
-  <p:cSld>
-    <p:spTree>
-      <p:nvGrpSpPr>
-        <p:cNvPr id="1" name=""/>
-        <p:cNvGrpSpPr/>
-        <p:nvPr/>
-      </p:nvGrpSpPr>
-      <p:grpSpPr>
-        <a:xfrm>
-          <a:off x="0" y="0"/>
-          <a:ext cx="0" cy="0"/>
-          <a:chOff x="0" y="0"/>
-          <a:chExt cx="0" cy="0"/>
-        </a:xfrm>
-      </p:grpSpPr>
-      <p:sp>
-        <p:nvSpPr>
-          <p:cNvPr id="2" name="Titre 1">
-            <a:extLst>
-              <a:ext uri="{FF2B5EF4-FFF2-40B4-BE49-F238E27FC236}">
-                <a16:creationId xmlns:a16="http://schemas.microsoft.com/office/drawing/2014/main" id="{D99BDC3A-6B9C-4402-1297-8B15946E6810}"/>
-              </a:ext>
-            </a:extLst>
-          </p:cNvPr>
-          <p:cNvSpPr>
-            <a:spLocks noGrp="1"/>
-          </p:cNvSpPr>
-          <p:nvPr>
-            <p:ph type="title"/>
-          </p:nvPr>
-        </p:nvSpPr>
-        <p:spPr/>
-        <p:txBody>
-          <a:bodyPr/>
-          <a:lstStyle/>
-          <a:p>
-            <a:r>
-              <a:rPr lang="fr-FR" dirty="0"/>
-              <a:t>Relais de puissance</a:t>
-            </a:r>
-          </a:p>
-        </p:txBody>
-      </p:sp>
-      <p:sp>
-        <p:nvSpPr>
-          <p:cNvPr id="3" name="Espace réservé du contenu 2">
-            <a:extLst>
-              <a:ext uri="{FF2B5EF4-FFF2-40B4-BE49-F238E27FC236}">
-                <a16:creationId xmlns:a16="http://schemas.microsoft.com/office/drawing/2014/main" id="{CA3616AA-144A-FE5F-67FF-E001F3132766}"/>
-              </a:ext>
-            </a:extLst>
-          </p:cNvPr>
-          <p:cNvSpPr>
-            <a:spLocks noGrp="1"/>
-          </p:cNvSpPr>
-          <p:nvPr>
-            <p:ph idx="1"/>
-          </p:nvPr>
-        </p:nvSpPr>
-        <p:spPr/>
-        <p:txBody>
-          <a:bodyPr/>
-          <a:lstStyle/>
-          <a:p>
-            <a:r>
-              <a:rPr lang="fr-FR" dirty="0"/>
-              <a:t>Les </a:t>
-            </a:r>
-            <a:r>
-              <a:rPr lang="fr-FR" dirty="0" err="1"/>
-              <a:t>micro-contrôleurs</a:t>
-            </a:r>
-            <a:r>
-              <a:rPr lang="fr-FR" dirty="0"/>
-              <a:t> ne peuvent pas gérer &gt; 5v</a:t>
-            </a:r>
-          </a:p>
-          <a:p>
-            <a:r>
-              <a:rPr lang="fr-FR" dirty="0"/>
-              <a:t>Pour le 220v il faut un relais de puissance</a:t>
-            </a:r>
-          </a:p>
-          <a:p>
-            <a:pPr lvl="1"/>
-            <a:r>
-              <a:rPr lang="fr-FR" dirty="0"/>
-              <a:t>Fonctionnement simple en digital</a:t>
-            </a:r>
-          </a:p>
-          <a:p>
-            <a:pPr lvl="1"/>
-            <a:r>
-              <a:rPr lang="fr-FR" dirty="0"/>
-              <a:t>Nécessite du 5v</a:t>
-            </a:r>
-          </a:p>
-          <a:p>
-            <a:endParaRPr lang="fr-FR" dirty="0"/>
-          </a:p>
-        </p:txBody>
-      </p:sp>
-      <p:pic>
-        <p:nvPicPr>
-          <p:cNvPr id="5" name="Image 4">
-            <a:extLst>
-              <a:ext uri="{FF2B5EF4-FFF2-40B4-BE49-F238E27FC236}">
-                <a16:creationId xmlns:a16="http://schemas.microsoft.com/office/drawing/2014/main" id="{68D2EB2C-5381-9A8B-8CA6-B23C9766961E}"/>
-              </a:ext>
-            </a:extLst>
-          </p:cNvPr>
-          <p:cNvPicPr>
-            <a:picLocks noChangeAspect="1"/>
-          </p:cNvPicPr>
-          <p:nvPr/>
-        </p:nvPicPr>
-        <p:blipFill>
-          <a:blip r:embed="rId2"/>
-          <a:stretch>
-            <a:fillRect/>
-          </a:stretch>
-        </p:blipFill>
-        <p:spPr>
-          <a:xfrm rot="5400000">
-            <a:off x="2904085" y="2152541"/>
-            <a:ext cx="3415789" cy="5968709"/>
-          </a:xfrm>
-          <a:prstGeom prst="rect">
-            <a:avLst/>
-          </a:prstGeom>
-        </p:spPr>
-      </p:pic>
-    </p:spTree>
-    <p:extLst>
-      <p:ext uri="{BB962C8B-B14F-4D97-AF65-F5344CB8AC3E}">
-        <p14:creationId xmlns:p14="http://schemas.microsoft.com/office/powerpoint/2010/main" val="700511113"/>
       </p:ext>
     </p:extLst>
   </p:cSld>
@@ -5077,6 +5393,136 @@
     <p:extLst>
       <p:ext uri="{BB962C8B-B14F-4D97-AF65-F5344CB8AC3E}">
         <p14:creationId xmlns:p14="http://schemas.microsoft.com/office/powerpoint/2010/main" val="3526286912"/>
+      </p:ext>
+    </p:extLst>
+  </p:cSld>
+  <p:clrMapOvr>
+    <a:masterClrMapping/>
+  </p:clrMapOvr>
+</p:sld>
+</file>
+
+<file path=ppt/slides/slide20.xml><?xml version="1.0" encoding="utf-8"?>
+<p:sld xmlns:a="http://schemas.openxmlformats.org/drawingml/2006/main" xmlns:r="http://schemas.openxmlformats.org/officeDocument/2006/relationships" xmlns:p="http://schemas.openxmlformats.org/presentationml/2006/main">
+  <p:cSld>
+    <p:spTree>
+      <p:nvGrpSpPr>
+        <p:cNvPr id="1" name=""/>
+        <p:cNvGrpSpPr/>
+        <p:nvPr/>
+      </p:nvGrpSpPr>
+      <p:grpSpPr>
+        <a:xfrm>
+          <a:off x="0" y="0"/>
+          <a:ext cx="0" cy="0"/>
+          <a:chOff x="0" y="0"/>
+          <a:chExt cx="0" cy="0"/>
+        </a:xfrm>
+      </p:grpSpPr>
+      <p:sp>
+        <p:nvSpPr>
+          <p:cNvPr id="2" name="Titre 1">
+            <a:extLst>
+              <a:ext uri="{FF2B5EF4-FFF2-40B4-BE49-F238E27FC236}">
+                <a16:creationId xmlns:a16="http://schemas.microsoft.com/office/drawing/2014/main" id="{DE4ADA5F-B9FB-18CA-BC9E-B9BBDD5BFC2D}"/>
+              </a:ext>
+            </a:extLst>
+          </p:cNvPr>
+          <p:cNvSpPr>
+            <a:spLocks noGrp="1"/>
+          </p:cNvSpPr>
+          <p:nvPr>
+            <p:ph type="title"/>
+          </p:nvPr>
+        </p:nvSpPr>
+        <p:spPr/>
+        <p:txBody>
+          <a:bodyPr/>
+          <a:lstStyle/>
+          <a:p>
+            <a:r>
+              <a:rPr lang="fr-FR" dirty="0"/>
+              <a:t>Serial</a:t>
+            </a:r>
+          </a:p>
+        </p:txBody>
+      </p:sp>
+      <p:sp>
+        <p:nvSpPr>
+          <p:cNvPr id="3" name="Espace réservé du contenu 2">
+            <a:extLst>
+              <a:ext uri="{FF2B5EF4-FFF2-40B4-BE49-F238E27FC236}">
+                <a16:creationId xmlns:a16="http://schemas.microsoft.com/office/drawing/2014/main" id="{3704E0F9-8E1C-18A3-CD06-A7B32FD83A13}"/>
+              </a:ext>
+            </a:extLst>
+          </p:cNvPr>
+          <p:cNvSpPr>
+            <a:spLocks noGrp="1"/>
+          </p:cNvSpPr>
+          <p:nvPr>
+            <p:ph idx="1"/>
+          </p:nvPr>
+        </p:nvSpPr>
+        <p:spPr/>
+        <p:txBody>
+          <a:bodyPr/>
+          <a:lstStyle/>
+          <a:p>
+            <a:endParaRPr lang="fr-FR" dirty="0"/>
+          </a:p>
+        </p:txBody>
+      </p:sp>
+      <p:pic>
+        <p:nvPicPr>
+          <p:cNvPr id="1026" name="Picture 2" descr="An Arduino-RPi 2 Interface using Serial Communication – rhydoLABZ-wiki">
+            <a:extLst>
+              <a:ext uri="{FF2B5EF4-FFF2-40B4-BE49-F238E27FC236}">
+                <a16:creationId xmlns:a16="http://schemas.microsoft.com/office/drawing/2014/main" id="{58BFEC50-C111-796A-0F75-78146B65A80D}"/>
+              </a:ext>
+            </a:extLst>
+          </p:cNvPr>
+          <p:cNvPicPr>
+            <a:picLocks noChangeAspect="1" noChangeArrowheads="1"/>
+          </p:cNvPicPr>
+          <p:nvPr/>
+        </p:nvPicPr>
+        <p:blipFill>
+          <a:blip r:embed="rId2">
+            <a:extLst>
+              <a:ext uri="{28A0092B-C50C-407E-A947-70E740481C1C}">
+                <a14:useLocalDpi xmlns:a14="http://schemas.microsoft.com/office/drawing/2010/main" val="0"/>
+              </a:ext>
+            </a:extLst>
+          </a:blip>
+          <a:srcRect/>
+          <a:stretch>
+            <a:fillRect/>
+          </a:stretch>
+        </p:blipFill>
+        <p:spPr bwMode="auto">
+          <a:xfrm>
+            <a:off x="1223199" y="1268760"/>
+            <a:ext cx="6458297" cy="5384471"/>
+          </a:xfrm>
+          <a:prstGeom prst="rect">
+            <a:avLst/>
+          </a:prstGeom>
+          <a:noFill/>
+          <a:extLst>
+            <a:ext uri="{909E8E84-426E-40DD-AFC4-6F175D3DCCD1}">
+              <a14:hiddenFill xmlns:a14="http://schemas.microsoft.com/office/drawing/2010/main">
+                <a:solidFill>
+                  <a:srgbClr val="FFFFFF"/>
+                </a:solidFill>
+              </a14:hiddenFill>
+            </a:ext>
+          </a:extLst>
+        </p:spPr>
+      </p:pic>
+    </p:spTree>
+    <p:extLst>
+      <p:ext uri="{BB962C8B-B14F-4D97-AF65-F5344CB8AC3E}">
+        <p14:creationId xmlns:p14="http://schemas.microsoft.com/office/powerpoint/2010/main" val="438227756"/>
       </p:ext>
     </p:extLst>
   </p:cSld>

--- a/ppt/IoT20-MicropythonBus.pptx
+++ b/ppt/IoT20-MicropythonBus.pptx
@@ -5,10 +5,10 @@
     <p:sldMasterId id="2147483653" r:id="rId1"/>
   </p:sldMasterIdLst>
   <p:notesMasterIdLst>
-    <p:notesMasterId r:id="rId22"/>
+    <p:notesMasterId r:id="rId19"/>
   </p:notesMasterIdLst>
   <p:handoutMasterIdLst>
-    <p:handoutMasterId r:id="rId23"/>
+    <p:handoutMasterId r:id="rId20"/>
   </p:handoutMasterIdLst>
   <p:sldIdLst>
     <p:sldId id="264" r:id="rId2"/>
@@ -28,9 +28,6 @@
     <p:sldId id="293" r:id="rId16"/>
     <p:sldId id="304" r:id="rId17"/>
     <p:sldId id="296" r:id="rId18"/>
-    <p:sldId id="302" r:id="rId19"/>
-    <p:sldId id="300" r:id="rId20"/>
-    <p:sldId id="301" r:id="rId21"/>
   </p:sldIdLst>
   <p:sldSz cx="9144000" cy="6858000" type="screen4x3"/>
   <p:notesSz cx="6648450" cy="9782175"/>
@@ -5040,257 +5037,6 @@
 </p:sld>
 </file>
 
-<file path=ppt/slides/slide18.xml><?xml version="1.0" encoding="utf-8"?>
-<p:sld xmlns:a="http://schemas.openxmlformats.org/drawingml/2006/main" xmlns:r="http://schemas.openxmlformats.org/officeDocument/2006/relationships" xmlns:p="http://schemas.openxmlformats.org/presentationml/2006/main">
-  <p:cSld>
-    <p:spTree>
-      <p:nvGrpSpPr>
-        <p:cNvPr id="1" name=""/>
-        <p:cNvGrpSpPr/>
-        <p:nvPr/>
-      </p:nvGrpSpPr>
-      <p:grpSpPr>
-        <a:xfrm>
-          <a:off x="0" y="0"/>
-          <a:ext cx="0" cy="0"/>
-          <a:chOff x="0" y="0"/>
-          <a:chExt cx="0" cy="0"/>
-        </a:xfrm>
-      </p:grpSpPr>
-      <p:sp>
-        <p:nvSpPr>
-          <p:cNvPr id="2" name="Titre 1">
-            <a:extLst>
-              <a:ext uri="{FF2B5EF4-FFF2-40B4-BE49-F238E27FC236}">
-                <a16:creationId xmlns:a16="http://schemas.microsoft.com/office/drawing/2014/main" id="{DB0E3986-57CC-0F9B-7D66-A3415E71349F}"/>
-              </a:ext>
-            </a:extLst>
-          </p:cNvPr>
-          <p:cNvSpPr>
-            <a:spLocks noGrp="1"/>
-          </p:cNvSpPr>
-          <p:nvPr>
-            <p:ph type="title"/>
-          </p:nvPr>
-        </p:nvSpPr>
-        <p:spPr/>
-        <p:txBody>
-          <a:bodyPr/>
-          <a:lstStyle/>
-          <a:p>
-            <a:r>
-              <a:rPr lang="fr-FR" dirty="0"/>
-              <a:t>Serial</a:t>
-            </a:r>
-          </a:p>
-        </p:txBody>
-      </p:sp>
-      <p:sp>
-        <p:nvSpPr>
-          <p:cNvPr id="3" name="Espace réservé du contenu 2">
-            <a:extLst>
-              <a:ext uri="{FF2B5EF4-FFF2-40B4-BE49-F238E27FC236}">
-                <a16:creationId xmlns:a16="http://schemas.microsoft.com/office/drawing/2014/main" id="{E0BD9ECE-3D2A-C661-F8A6-27C34527DF66}"/>
-              </a:ext>
-            </a:extLst>
-          </p:cNvPr>
-          <p:cNvSpPr>
-            <a:spLocks noGrp="1"/>
-          </p:cNvSpPr>
-          <p:nvPr>
-            <p:ph idx="1"/>
-          </p:nvPr>
-        </p:nvSpPr>
-        <p:spPr/>
-        <p:txBody>
-          <a:bodyPr/>
-          <a:lstStyle/>
-          <a:p>
-            <a:r>
-              <a:rPr lang="fr-FR" dirty="0"/>
-              <a:t>Communication croisée</a:t>
-            </a:r>
-          </a:p>
-          <a:p>
-            <a:pPr lvl="1"/>
-            <a:r>
-              <a:rPr lang="fr-FR" dirty="0"/>
-              <a:t>RX avec TX</a:t>
-            </a:r>
-          </a:p>
-          <a:p>
-            <a:pPr lvl="1"/>
-            <a:r>
-              <a:rPr lang="fr-FR" dirty="0"/>
-              <a:t>TX avec RX</a:t>
-            </a:r>
-          </a:p>
-          <a:p>
-            <a:pPr lvl="1"/>
-            <a:r>
-              <a:rPr lang="fr-FR" dirty="0"/>
-              <a:t>Masse avec Masse</a:t>
-            </a:r>
-          </a:p>
-          <a:p>
-            <a:pPr lvl="1"/>
-            <a:endParaRPr lang="fr-FR" dirty="0"/>
-          </a:p>
-        </p:txBody>
-      </p:sp>
-    </p:spTree>
-    <p:extLst>
-      <p:ext uri="{BB962C8B-B14F-4D97-AF65-F5344CB8AC3E}">
-        <p14:creationId xmlns:p14="http://schemas.microsoft.com/office/powerpoint/2010/main" val="226010334"/>
-      </p:ext>
-    </p:extLst>
-  </p:cSld>
-  <p:clrMapOvr>
-    <a:masterClrMapping/>
-  </p:clrMapOvr>
-</p:sld>
-</file>
-
-<file path=ppt/slides/slide19.xml><?xml version="1.0" encoding="utf-8"?>
-<p:sld xmlns:a="http://schemas.openxmlformats.org/drawingml/2006/main" xmlns:r="http://schemas.openxmlformats.org/officeDocument/2006/relationships" xmlns:p="http://schemas.openxmlformats.org/presentationml/2006/main">
-  <p:cSld>
-    <p:spTree>
-      <p:nvGrpSpPr>
-        <p:cNvPr id="1" name=""/>
-        <p:cNvGrpSpPr/>
-        <p:nvPr/>
-      </p:nvGrpSpPr>
-      <p:grpSpPr>
-        <a:xfrm>
-          <a:off x="0" y="0"/>
-          <a:ext cx="0" cy="0"/>
-          <a:chOff x="0" y="0"/>
-          <a:chExt cx="0" cy="0"/>
-        </a:xfrm>
-      </p:grpSpPr>
-      <p:sp>
-        <p:nvSpPr>
-          <p:cNvPr id="2" name="Titre 1">
-            <a:extLst>
-              <a:ext uri="{FF2B5EF4-FFF2-40B4-BE49-F238E27FC236}">
-                <a16:creationId xmlns:a16="http://schemas.microsoft.com/office/drawing/2014/main" id="{2F2CFC3F-10E6-353F-913E-F165D183323A}"/>
-              </a:ext>
-            </a:extLst>
-          </p:cNvPr>
-          <p:cNvSpPr>
-            <a:spLocks noGrp="1"/>
-          </p:cNvSpPr>
-          <p:nvPr>
-            <p:ph type="title"/>
-          </p:nvPr>
-        </p:nvSpPr>
-        <p:spPr/>
-        <p:txBody>
-          <a:bodyPr/>
-          <a:lstStyle/>
-          <a:p>
-            <a:r>
-              <a:rPr lang="fr-FR" dirty="0"/>
-              <a:t>Serial</a:t>
-            </a:r>
-          </a:p>
-        </p:txBody>
-      </p:sp>
-      <p:sp>
-        <p:nvSpPr>
-          <p:cNvPr id="3" name="Espace réservé du contenu 2">
-            <a:extLst>
-              <a:ext uri="{FF2B5EF4-FFF2-40B4-BE49-F238E27FC236}">
-                <a16:creationId xmlns:a16="http://schemas.microsoft.com/office/drawing/2014/main" id="{AC6719E9-48B1-67BC-42A2-E0F812B49925}"/>
-              </a:ext>
-            </a:extLst>
-          </p:cNvPr>
-          <p:cNvSpPr>
-            <a:spLocks noGrp="1"/>
-          </p:cNvSpPr>
-          <p:nvPr>
-            <p:ph idx="1"/>
-          </p:nvPr>
-        </p:nvSpPr>
-        <p:spPr/>
-        <p:txBody>
-          <a:bodyPr/>
-          <a:lstStyle/>
-          <a:p>
-            <a:r>
-              <a:rPr lang="fr-FR" dirty="0"/>
-              <a:t>L'USB est gardé pour communiquer avec le PC par UART0</a:t>
-            </a:r>
-          </a:p>
-          <a:p>
-            <a:pPr lvl="1"/>
-            <a:r>
-              <a:rPr lang="fr-FR" dirty="0"/>
-              <a:t>Communication par UART1</a:t>
-            </a:r>
-          </a:p>
-        </p:txBody>
-      </p:sp>
-      <p:pic>
-        <p:nvPicPr>
-          <p:cNvPr id="6148" name="Picture 4" descr="Communiquez avec votre Arduino • AranaCorp">
-            <a:extLst>
-              <a:ext uri="{FF2B5EF4-FFF2-40B4-BE49-F238E27FC236}">
-                <a16:creationId xmlns:a16="http://schemas.microsoft.com/office/drawing/2014/main" id="{47656833-0CAA-4ECF-FF01-090AE9037770}"/>
-              </a:ext>
-            </a:extLst>
-          </p:cNvPr>
-          <p:cNvPicPr>
-            <a:picLocks noChangeAspect="1" noChangeArrowheads="1"/>
-          </p:cNvPicPr>
-          <p:nvPr/>
-        </p:nvPicPr>
-        <p:blipFill>
-          <a:blip r:embed="rId2">
-            <a:extLst>
-              <a:ext uri="{28A0092B-C50C-407E-A947-70E740481C1C}">
-                <a14:useLocalDpi xmlns:a14="http://schemas.microsoft.com/office/drawing/2010/main" val="0"/>
-              </a:ext>
-            </a:extLst>
-          </a:blip>
-          <a:srcRect/>
-          <a:stretch>
-            <a:fillRect/>
-          </a:stretch>
-        </p:blipFill>
-        <p:spPr bwMode="auto">
-          <a:xfrm>
-            <a:off x="0" y="2852936"/>
-            <a:ext cx="9144000" cy="4303713"/>
-          </a:xfrm>
-          <a:prstGeom prst="rect">
-            <a:avLst/>
-          </a:prstGeom>
-          <a:noFill/>
-          <a:extLst>
-            <a:ext uri="{909E8E84-426E-40DD-AFC4-6F175D3DCCD1}">
-              <a14:hiddenFill xmlns:a14="http://schemas.microsoft.com/office/drawing/2010/main">
-                <a:solidFill>
-                  <a:srgbClr val="FFFFFF"/>
-                </a:solidFill>
-              </a14:hiddenFill>
-            </a:ext>
-          </a:extLst>
-        </p:spPr>
-      </p:pic>
-    </p:spTree>
-    <p:extLst>
-      <p:ext uri="{BB962C8B-B14F-4D97-AF65-F5344CB8AC3E}">
-        <p14:creationId xmlns:p14="http://schemas.microsoft.com/office/powerpoint/2010/main" val="207942713"/>
-      </p:ext>
-    </p:extLst>
-  </p:cSld>
-  <p:clrMapOvr>
-    <a:masterClrMapping/>
-  </p:clrMapOvr>
-</p:sld>
-</file>
-
 <file path=ppt/slides/slide2.xml><?xml version="1.0" encoding="utf-8"?>
 <p:sld xmlns:a="http://schemas.openxmlformats.org/drawingml/2006/main" xmlns:r="http://schemas.openxmlformats.org/officeDocument/2006/relationships" xmlns:p="http://schemas.openxmlformats.org/presentationml/2006/main">
   <p:cSld>
@@ -5393,136 +5139,6 @@
     <p:extLst>
       <p:ext uri="{BB962C8B-B14F-4D97-AF65-F5344CB8AC3E}">
         <p14:creationId xmlns:p14="http://schemas.microsoft.com/office/powerpoint/2010/main" val="3526286912"/>
-      </p:ext>
-    </p:extLst>
-  </p:cSld>
-  <p:clrMapOvr>
-    <a:masterClrMapping/>
-  </p:clrMapOvr>
-</p:sld>
-</file>
-
-<file path=ppt/slides/slide20.xml><?xml version="1.0" encoding="utf-8"?>
-<p:sld xmlns:a="http://schemas.openxmlformats.org/drawingml/2006/main" xmlns:r="http://schemas.openxmlformats.org/officeDocument/2006/relationships" xmlns:p="http://schemas.openxmlformats.org/presentationml/2006/main">
-  <p:cSld>
-    <p:spTree>
-      <p:nvGrpSpPr>
-        <p:cNvPr id="1" name=""/>
-        <p:cNvGrpSpPr/>
-        <p:nvPr/>
-      </p:nvGrpSpPr>
-      <p:grpSpPr>
-        <a:xfrm>
-          <a:off x="0" y="0"/>
-          <a:ext cx="0" cy="0"/>
-          <a:chOff x="0" y="0"/>
-          <a:chExt cx="0" cy="0"/>
-        </a:xfrm>
-      </p:grpSpPr>
-      <p:sp>
-        <p:nvSpPr>
-          <p:cNvPr id="2" name="Titre 1">
-            <a:extLst>
-              <a:ext uri="{FF2B5EF4-FFF2-40B4-BE49-F238E27FC236}">
-                <a16:creationId xmlns:a16="http://schemas.microsoft.com/office/drawing/2014/main" id="{DE4ADA5F-B9FB-18CA-BC9E-B9BBDD5BFC2D}"/>
-              </a:ext>
-            </a:extLst>
-          </p:cNvPr>
-          <p:cNvSpPr>
-            <a:spLocks noGrp="1"/>
-          </p:cNvSpPr>
-          <p:nvPr>
-            <p:ph type="title"/>
-          </p:nvPr>
-        </p:nvSpPr>
-        <p:spPr/>
-        <p:txBody>
-          <a:bodyPr/>
-          <a:lstStyle/>
-          <a:p>
-            <a:r>
-              <a:rPr lang="fr-FR" dirty="0"/>
-              <a:t>Serial</a:t>
-            </a:r>
-          </a:p>
-        </p:txBody>
-      </p:sp>
-      <p:sp>
-        <p:nvSpPr>
-          <p:cNvPr id="3" name="Espace réservé du contenu 2">
-            <a:extLst>
-              <a:ext uri="{FF2B5EF4-FFF2-40B4-BE49-F238E27FC236}">
-                <a16:creationId xmlns:a16="http://schemas.microsoft.com/office/drawing/2014/main" id="{3704E0F9-8E1C-18A3-CD06-A7B32FD83A13}"/>
-              </a:ext>
-            </a:extLst>
-          </p:cNvPr>
-          <p:cNvSpPr>
-            <a:spLocks noGrp="1"/>
-          </p:cNvSpPr>
-          <p:nvPr>
-            <p:ph idx="1"/>
-          </p:nvPr>
-        </p:nvSpPr>
-        <p:spPr/>
-        <p:txBody>
-          <a:bodyPr/>
-          <a:lstStyle/>
-          <a:p>
-            <a:endParaRPr lang="fr-FR" dirty="0"/>
-          </a:p>
-        </p:txBody>
-      </p:sp>
-      <p:pic>
-        <p:nvPicPr>
-          <p:cNvPr id="1026" name="Picture 2" descr="An Arduino-RPi 2 Interface using Serial Communication – rhydoLABZ-wiki">
-            <a:extLst>
-              <a:ext uri="{FF2B5EF4-FFF2-40B4-BE49-F238E27FC236}">
-                <a16:creationId xmlns:a16="http://schemas.microsoft.com/office/drawing/2014/main" id="{58BFEC50-C111-796A-0F75-78146B65A80D}"/>
-              </a:ext>
-            </a:extLst>
-          </p:cNvPr>
-          <p:cNvPicPr>
-            <a:picLocks noChangeAspect="1" noChangeArrowheads="1"/>
-          </p:cNvPicPr>
-          <p:nvPr/>
-        </p:nvPicPr>
-        <p:blipFill>
-          <a:blip r:embed="rId2">
-            <a:extLst>
-              <a:ext uri="{28A0092B-C50C-407E-A947-70E740481C1C}">
-                <a14:useLocalDpi xmlns:a14="http://schemas.microsoft.com/office/drawing/2010/main" val="0"/>
-              </a:ext>
-            </a:extLst>
-          </a:blip>
-          <a:srcRect/>
-          <a:stretch>
-            <a:fillRect/>
-          </a:stretch>
-        </p:blipFill>
-        <p:spPr bwMode="auto">
-          <a:xfrm>
-            <a:off x="1223199" y="1268760"/>
-            <a:ext cx="6458297" cy="5384471"/>
-          </a:xfrm>
-          <a:prstGeom prst="rect">
-            <a:avLst/>
-          </a:prstGeom>
-          <a:noFill/>
-          <a:extLst>
-            <a:ext uri="{909E8E84-426E-40DD-AFC4-6F175D3DCCD1}">
-              <a14:hiddenFill xmlns:a14="http://schemas.microsoft.com/office/drawing/2010/main">
-                <a:solidFill>
-                  <a:srgbClr val="FFFFFF"/>
-                </a:solidFill>
-              </a14:hiddenFill>
-            </a:ext>
-          </a:extLst>
-        </p:spPr>
-      </p:pic>
-    </p:spTree>
-    <p:extLst>
-      <p:ext uri="{BB962C8B-B14F-4D97-AF65-F5344CB8AC3E}">
-        <p14:creationId xmlns:p14="http://schemas.microsoft.com/office/powerpoint/2010/main" val="438227756"/>
       </p:ext>
     </p:extLst>
   </p:cSld>

--- a/ppt/IoT20-MicropythonBus.pptx
+++ b/ppt/IoT20-MicropythonBus.pptx
@@ -5,29 +5,31 @@
     <p:sldMasterId id="2147483653" r:id="rId1"/>
   </p:sldMasterIdLst>
   <p:notesMasterIdLst>
-    <p:notesMasterId r:id="rId19"/>
+    <p:notesMasterId r:id="rId21"/>
   </p:notesMasterIdLst>
   <p:handoutMasterIdLst>
-    <p:handoutMasterId r:id="rId20"/>
+    <p:handoutMasterId r:id="rId22"/>
   </p:handoutMasterIdLst>
   <p:sldIdLst>
     <p:sldId id="264" r:id="rId2"/>
-    <p:sldId id="289" r:id="rId3"/>
-    <p:sldId id="287" r:id="rId4"/>
-    <p:sldId id="286" r:id="rId5"/>
-    <p:sldId id="283" r:id="rId6"/>
-    <p:sldId id="290" r:id="rId7"/>
-    <p:sldId id="294" r:id="rId8"/>
-    <p:sldId id="284" r:id="rId9"/>
-    <p:sldId id="298" r:id="rId10"/>
-    <p:sldId id="285" r:id="rId11"/>
-    <p:sldId id="297" r:id="rId12"/>
-    <p:sldId id="299" r:id="rId13"/>
-    <p:sldId id="303" r:id="rId14"/>
-    <p:sldId id="292" r:id="rId15"/>
-    <p:sldId id="293" r:id="rId16"/>
-    <p:sldId id="304" r:id="rId17"/>
-    <p:sldId id="296" r:id="rId18"/>
+    <p:sldId id="305" r:id="rId3"/>
+    <p:sldId id="306" r:id="rId4"/>
+    <p:sldId id="289" r:id="rId5"/>
+    <p:sldId id="287" r:id="rId6"/>
+    <p:sldId id="286" r:id="rId7"/>
+    <p:sldId id="283" r:id="rId8"/>
+    <p:sldId id="290" r:id="rId9"/>
+    <p:sldId id="294" r:id="rId10"/>
+    <p:sldId id="284" r:id="rId11"/>
+    <p:sldId id="298" r:id="rId12"/>
+    <p:sldId id="285" r:id="rId13"/>
+    <p:sldId id="297" r:id="rId14"/>
+    <p:sldId id="299" r:id="rId15"/>
+    <p:sldId id="303" r:id="rId16"/>
+    <p:sldId id="292" r:id="rId17"/>
+    <p:sldId id="293" r:id="rId18"/>
+    <p:sldId id="304" r:id="rId19"/>
+    <p:sldId id="296" r:id="rId20"/>
   </p:sldIdLst>
   <p:sldSz cx="9144000" cy="6858000" type="screen4x3"/>
   <p:notesSz cx="6648450" cy="9782175"/>
@@ -3751,6 +3753,314 @@
           <a:p>
             <a:r>
               <a:rPr lang="fr-FR" dirty="0"/>
+              <a:t>Capteur de pression I2C</a:t>
+            </a:r>
+          </a:p>
+        </p:txBody>
+      </p:sp>
+      <p:sp>
+        <p:nvSpPr>
+          <p:cNvPr id="3" name="Espace réservé du contenu 2"/>
+          <p:cNvSpPr>
+            <a:spLocks noGrp="1"/>
+          </p:cNvSpPr>
+          <p:nvPr>
+            <p:ph idx="1"/>
+          </p:nvPr>
+        </p:nvSpPr>
+        <p:spPr>
+          <a:xfrm>
+            <a:off x="179512" y="1412776"/>
+            <a:ext cx="5040559" cy="5040560"/>
+          </a:xfrm>
+        </p:spPr>
+        <p:txBody>
+          <a:bodyPr/>
+          <a:lstStyle/>
+          <a:p>
+            <a:r>
+              <a:rPr lang="fr-FR" dirty="0"/>
+              <a:t>BM280 est un capteur de pression I2C</a:t>
+            </a:r>
+          </a:p>
+          <a:p>
+            <a:pPr lvl="1"/>
+            <a:r>
+              <a:rPr lang="fr-FR" dirty="0"/>
+              <a:t>BME280_float.py</a:t>
+            </a:r>
+          </a:p>
+          <a:p>
+            <a:pPr lvl="1"/>
+            <a:r>
+              <a:rPr lang="fr-FR" dirty="0"/>
+              <a:t>A sauver sur ESP32 avec Save As</a:t>
+            </a:r>
+          </a:p>
+          <a:p>
+            <a:endParaRPr lang="fr-FR" dirty="0"/>
+          </a:p>
+        </p:txBody>
+      </p:sp>
+      <p:pic>
+        <p:nvPicPr>
+          <p:cNvPr id="5" name="Image 4"/>
+          <p:cNvPicPr/>
+          <p:nvPr/>
+        </p:nvPicPr>
+        <p:blipFill>
+          <a:blip r:embed="rId2"/>
+          <a:stretch>
+            <a:fillRect/>
+          </a:stretch>
+        </p:blipFill>
+        <p:spPr>
+          <a:xfrm>
+            <a:off x="5135710" y="1348774"/>
+            <a:ext cx="3104381" cy="1815653"/>
+          </a:xfrm>
+          <a:prstGeom prst="rect">
+            <a:avLst/>
+          </a:prstGeom>
+        </p:spPr>
+      </p:pic>
+      <p:pic>
+        <p:nvPicPr>
+          <p:cNvPr id="7" name="Image 6">
+            <a:extLst>
+              <a:ext uri="{FF2B5EF4-FFF2-40B4-BE49-F238E27FC236}">
+                <a16:creationId xmlns:a16="http://schemas.microsoft.com/office/drawing/2014/main" id="{8B4593B8-53AF-BB9E-9AD1-B0D427340B88}"/>
+              </a:ext>
+            </a:extLst>
+          </p:cNvPr>
+          <p:cNvPicPr>
+            <a:picLocks noChangeAspect="1"/>
+          </p:cNvPicPr>
+          <p:nvPr/>
+        </p:nvPicPr>
+        <p:blipFill>
+          <a:blip r:embed="rId3"/>
+          <a:stretch>
+            <a:fillRect/>
+          </a:stretch>
+        </p:blipFill>
+        <p:spPr>
+          <a:xfrm>
+            <a:off x="1968231" y="4726653"/>
+            <a:ext cx="5639587" cy="1743318"/>
+          </a:xfrm>
+          <a:prstGeom prst="rect">
+            <a:avLst/>
+          </a:prstGeom>
+        </p:spPr>
+      </p:pic>
+    </p:spTree>
+    <p:extLst>
+      <p:ext uri="{BB962C8B-B14F-4D97-AF65-F5344CB8AC3E}">
+        <p14:creationId xmlns:p14="http://schemas.microsoft.com/office/powerpoint/2010/main" val="348249065"/>
+      </p:ext>
+    </p:extLst>
+  </p:cSld>
+  <p:clrMapOvr>
+    <a:masterClrMapping/>
+  </p:clrMapOvr>
+</p:sld>
+</file>
+
+<file path=ppt/slides/slide11.xml><?xml version="1.0" encoding="utf-8"?>
+<p:sld xmlns:a="http://schemas.openxmlformats.org/drawingml/2006/main" xmlns:r="http://schemas.openxmlformats.org/officeDocument/2006/relationships" xmlns:p="http://schemas.openxmlformats.org/presentationml/2006/main">
+  <p:cSld>
+    <p:spTree>
+      <p:nvGrpSpPr>
+        <p:cNvPr id="1" name=""/>
+        <p:cNvGrpSpPr/>
+        <p:nvPr/>
+      </p:nvGrpSpPr>
+      <p:grpSpPr>
+        <a:xfrm>
+          <a:off x="0" y="0"/>
+          <a:ext cx="0" cy="0"/>
+          <a:chOff x="0" y="0"/>
+          <a:chExt cx="0" cy="0"/>
+        </a:xfrm>
+      </p:grpSpPr>
+      <p:sp>
+        <p:nvSpPr>
+          <p:cNvPr id="2" name="Titre 1">
+            <a:extLst>
+              <a:ext uri="{FF2B5EF4-FFF2-40B4-BE49-F238E27FC236}">
+                <a16:creationId xmlns:a16="http://schemas.microsoft.com/office/drawing/2014/main" id="{AA307E13-C1FE-5F93-2E20-65023D456124}"/>
+              </a:ext>
+            </a:extLst>
+          </p:cNvPr>
+          <p:cNvSpPr>
+            <a:spLocks noGrp="1"/>
+          </p:cNvSpPr>
+          <p:nvPr>
+            <p:ph type="title"/>
+          </p:nvPr>
+        </p:nvSpPr>
+        <p:spPr/>
+        <p:txBody>
+          <a:bodyPr/>
+          <a:lstStyle/>
+          <a:p>
+            <a:r>
+              <a:rPr lang="fr-FR" dirty="0"/>
+              <a:t>Branchement</a:t>
+            </a:r>
+          </a:p>
+        </p:txBody>
+      </p:sp>
+      <p:sp>
+        <p:nvSpPr>
+          <p:cNvPr id="3" name="Espace réservé du contenu 2">
+            <a:extLst>
+              <a:ext uri="{FF2B5EF4-FFF2-40B4-BE49-F238E27FC236}">
+                <a16:creationId xmlns:a16="http://schemas.microsoft.com/office/drawing/2014/main" id="{B6FABC04-8983-9588-2C36-465E941D1524}"/>
+              </a:ext>
+            </a:extLst>
+          </p:cNvPr>
+          <p:cNvSpPr>
+            <a:spLocks noGrp="1"/>
+          </p:cNvSpPr>
+          <p:nvPr>
+            <p:ph idx="1"/>
+          </p:nvPr>
+        </p:nvSpPr>
+        <p:spPr/>
+        <p:txBody>
+          <a:bodyPr/>
+          <a:lstStyle/>
+          <a:p>
+            <a:endParaRPr lang="fr-FR"/>
+          </a:p>
+        </p:txBody>
+      </p:sp>
+      <p:pic>
+        <p:nvPicPr>
+          <p:cNvPr id="1026" name="Picture 2" descr="MicroPython : BME280 avec ESP32 et ESP8266 (Pression, Température, Humidité)">
+            <a:extLst>
+              <a:ext uri="{FF2B5EF4-FFF2-40B4-BE49-F238E27FC236}">
+                <a16:creationId xmlns:a16="http://schemas.microsoft.com/office/drawing/2014/main" id="{6AE904DA-5073-5A53-D2EC-50BDAA4800AC}"/>
+              </a:ext>
+            </a:extLst>
+          </p:cNvPr>
+          <p:cNvPicPr>
+            <a:picLocks noChangeAspect="1" noChangeArrowheads="1"/>
+          </p:cNvPicPr>
+          <p:nvPr/>
+        </p:nvPicPr>
+        <p:blipFill>
+          <a:blip r:embed="rId2">
+            <a:extLst>
+              <a:ext uri="{28A0092B-C50C-407E-A947-70E740481C1C}">
+                <a14:useLocalDpi xmlns:a14="http://schemas.microsoft.com/office/drawing/2010/main" val="0"/>
+              </a:ext>
+            </a:extLst>
+          </a:blip>
+          <a:srcRect/>
+          <a:stretch>
+            <a:fillRect/>
+          </a:stretch>
+        </p:blipFill>
+        <p:spPr bwMode="auto">
+          <a:xfrm>
+            <a:off x="914400" y="836712"/>
+            <a:ext cx="6633501" cy="5778401"/>
+          </a:xfrm>
+          <a:prstGeom prst="rect">
+            <a:avLst/>
+          </a:prstGeom>
+          <a:noFill/>
+          <a:extLst>
+            <a:ext uri="{909E8E84-426E-40DD-AFC4-6F175D3DCCD1}">
+              <a14:hiddenFill xmlns:a14="http://schemas.microsoft.com/office/drawing/2010/main">
+                <a:solidFill>
+                  <a:srgbClr val="FFFFFF"/>
+                </a:solidFill>
+              </a14:hiddenFill>
+            </a:ext>
+          </a:extLst>
+        </p:spPr>
+      </p:pic>
+      <p:pic>
+        <p:nvPicPr>
+          <p:cNvPr id="4" name="Image 3">
+            <a:extLst>
+              <a:ext uri="{FF2B5EF4-FFF2-40B4-BE49-F238E27FC236}">
+                <a16:creationId xmlns:a16="http://schemas.microsoft.com/office/drawing/2014/main" id="{050D0363-C604-2494-7A5B-1C49C4E2A036}"/>
+              </a:ext>
+            </a:extLst>
+          </p:cNvPr>
+          <p:cNvPicPr>
+            <a:picLocks noChangeAspect="1"/>
+          </p:cNvPicPr>
+          <p:nvPr/>
+        </p:nvPicPr>
+        <p:blipFill>
+          <a:blip r:embed="rId3"/>
+          <a:stretch>
+            <a:fillRect/>
+          </a:stretch>
+        </p:blipFill>
+        <p:spPr>
+          <a:xfrm>
+            <a:off x="4369117" y="4705032"/>
+            <a:ext cx="4761583" cy="1480384"/>
+          </a:xfrm>
+          <a:prstGeom prst="rect">
+            <a:avLst/>
+          </a:prstGeom>
+        </p:spPr>
+      </p:pic>
+    </p:spTree>
+    <p:extLst>
+      <p:ext uri="{BB962C8B-B14F-4D97-AF65-F5344CB8AC3E}">
+        <p14:creationId xmlns:p14="http://schemas.microsoft.com/office/powerpoint/2010/main" val="976800980"/>
+      </p:ext>
+    </p:extLst>
+  </p:cSld>
+  <p:clrMapOvr>
+    <a:masterClrMapping/>
+  </p:clrMapOvr>
+</p:sld>
+</file>
+
+<file path=ppt/slides/slide12.xml><?xml version="1.0" encoding="utf-8"?>
+<p:sld xmlns:a="http://schemas.openxmlformats.org/drawingml/2006/main" xmlns:r="http://schemas.openxmlformats.org/officeDocument/2006/relationships" xmlns:p="http://schemas.openxmlformats.org/presentationml/2006/main">
+  <p:cSld>
+    <p:spTree>
+      <p:nvGrpSpPr>
+        <p:cNvPr id="1" name=""/>
+        <p:cNvGrpSpPr/>
+        <p:nvPr/>
+      </p:nvGrpSpPr>
+      <p:grpSpPr>
+        <a:xfrm>
+          <a:off x="0" y="0"/>
+          <a:ext cx="0" cy="0"/>
+          <a:chOff x="0" y="0"/>
+          <a:chExt cx="0" cy="0"/>
+        </a:xfrm>
+      </p:grpSpPr>
+      <p:sp>
+        <p:nvSpPr>
+          <p:cNvPr id="2" name="Titre 1"/>
+          <p:cNvSpPr>
+            <a:spLocks noGrp="1"/>
+          </p:cNvSpPr>
+          <p:nvPr>
+            <p:ph type="title"/>
+          </p:nvPr>
+        </p:nvSpPr>
+        <p:spPr/>
+        <p:txBody>
+          <a:bodyPr/>
+          <a:lstStyle/>
+          <a:p>
+            <a:r>
+              <a:rPr lang="fr-FR" dirty="0"/>
               <a:t>Ecran LCD</a:t>
             </a:r>
           </a:p>
@@ -3938,7 +4248,7 @@
 </p:sld>
 </file>
 
-<file path=ppt/slides/slide11.xml><?xml version="1.0" encoding="utf-8"?>
+<file path=ppt/slides/slide13.xml><?xml version="1.0" encoding="utf-8"?>
 <p:sld xmlns:a="http://schemas.openxmlformats.org/drawingml/2006/main" xmlns:r="http://schemas.openxmlformats.org/officeDocument/2006/relationships" xmlns:p="http://schemas.openxmlformats.org/presentationml/2006/main">
   <p:cSld>
     <p:spTree>
@@ -4071,7 +4381,7 @@
 </p:sld>
 </file>
 
-<file path=ppt/slides/slide12.xml><?xml version="1.0" encoding="utf-8"?>
+<file path=ppt/slides/slide14.xml><?xml version="1.0" encoding="utf-8"?>
 <p:sld xmlns:a="http://schemas.openxmlformats.org/drawingml/2006/main" xmlns:r="http://schemas.openxmlformats.org/officeDocument/2006/relationships" xmlns:p="http://schemas.openxmlformats.org/presentationml/2006/main">
   <p:cSld>
     <p:spTree>
@@ -4201,7 +4511,7 @@
 </p:sld>
 </file>
 
-<file path=ppt/slides/slide13.xml><?xml version="1.0" encoding="utf-8"?>
+<file path=ppt/slides/slide15.xml><?xml version="1.0" encoding="utf-8"?>
 <p:sld xmlns:a="http://schemas.openxmlformats.org/drawingml/2006/main" xmlns:r="http://schemas.openxmlformats.org/officeDocument/2006/relationships" xmlns:p="http://schemas.openxmlformats.org/presentationml/2006/main">
   <p:cSld>
     <p:spTree>
@@ -4412,7 +4722,7 @@
 </p:sld>
 </file>
 
-<file path=ppt/slides/slide14.xml><?xml version="1.0" encoding="utf-8"?>
+<file path=ppt/slides/slide16.xml><?xml version="1.0" encoding="utf-8"?>
 <p:sld xmlns:a="http://schemas.openxmlformats.org/drawingml/2006/main" xmlns:r="http://schemas.openxmlformats.org/officeDocument/2006/relationships" xmlns:p="http://schemas.openxmlformats.org/presentationml/2006/main">
   <p:cSld>
     <p:spTree>
@@ -4554,7 +4864,7 @@
 </p:sld>
 </file>
 
-<file path=ppt/slides/slide15.xml><?xml version="1.0" encoding="utf-8"?>
+<file path=ppt/slides/slide17.xml><?xml version="1.0" encoding="utf-8"?>
 <p:sld xmlns:a="http://schemas.openxmlformats.org/drawingml/2006/main" xmlns:r="http://schemas.openxmlformats.org/officeDocument/2006/relationships" xmlns:p="http://schemas.openxmlformats.org/presentationml/2006/main">
   <p:cSld>
     <p:spTree>
@@ -4729,7 +5039,7 @@
 </p:sld>
 </file>
 
-<file path=ppt/slides/slide16.xml><?xml version="1.0" encoding="utf-8"?>
+<file path=ppt/slides/slide18.xml><?xml version="1.0" encoding="utf-8"?>
 <p:sld xmlns:a="http://schemas.openxmlformats.org/drawingml/2006/main" xmlns:r="http://schemas.openxmlformats.org/officeDocument/2006/relationships" xmlns:p="http://schemas.openxmlformats.org/presentationml/2006/main">
   <p:cSld>
     <p:spTree>
@@ -4857,7 +5167,7 @@
 </p:sld>
 </file>
 
-<file path=ppt/slides/slide17.xml><?xml version="1.0" encoding="utf-8"?>
+<file path=ppt/slides/slide19.xml><?xml version="1.0" encoding="utf-8"?>
 <p:sld xmlns:a="http://schemas.openxmlformats.org/drawingml/2006/main" xmlns:r="http://schemas.openxmlformats.org/officeDocument/2006/relationships" xmlns:p="http://schemas.openxmlformats.org/presentationml/2006/main">
   <p:cSld>
     <p:spTree>
@@ -5059,6 +5369,350 @@
           <p:cNvPr id="2" name="Titre 1">
             <a:extLst>
               <a:ext uri="{FF2B5EF4-FFF2-40B4-BE49-F238E27FC236}">
+                <a16:creationId xmlns:a16="http://schemas.microsoft.com/office/drawing/2014/main" id="{9D38F5F3-2EC9-7AE2-A0C7-6617175AFA22}"/>
+              </a:ext>
+            </a:extLst>
+          </p:cNvPr>
+          <p:cNvSpPr>
+            <a:spLocks noGrp="1"/>
+          </p:cNvSpPr>
+          <p:nvPr>
+            <p:ph type="title"/>
+          </p:nvPr>
+        </p:nvSpPr>
+        <p:spPr/>
+        <p:txBody>
+          <a:bodyPr/>
+          <a:lstStyle/>
+          <a:p>
+            <a:r>
+              <a:rPr lang="fr-FR" dirty="0"/>
+              <a:t>Protocole DHT</a:t>
+            </a:r>
+          </a:p>
+        </p:txBody>
+      </p:sp>
+      <p:sp>
+        <p:nvSpPr>
+          <p:cNvPr id="3" name="Espace réservé du contenu 2">
+            <a:extLst>
+              <a:ext uri="{FF2B5EF4-FFF2-40B4-BE49-F238E27FC236}">
+                <a16:creationId xmlns:a16="http://schemas.microsoft.com/office/drawing/2014/main" id="{D9B55325-8B91-5D0D-4DD5-52FFF91D3BB9}"/>
+              </a:ext>
+            </a:extLst>
+          </p:cNvPr>
+          <p:cNvSpPr>
+            <a:spLocks noGrp="1"/>
+          </p:cNvSpPr>
+          <p:nvPr>
+            <p:ph idx="1"/>
+          </p:nvPr>
+        </p:nvSpPr>
+        <p:spPr/>
+        <p:txBody>
+          <a:bodyPr/>
+          <a:lstStyle/>
+          <a:p>
+            <a:r>
+              <a:rPr lang="fr-FR" dirty="0"/>
+              <a:t>DHT</a:t>
+            </a:r>
+          </a:p>
+          <a:p>
+            <a:pPr lvl="1"/>
+            <a:r>
+              <a:rPr lang="fr-FR" dirty="0"/>
+              <a:t>Très peu chère</a:t>
+            </a:r>
+          </a:p>
+          <a:p>
+            <a:pPr lvl="1"/>
+            <a:r>
+              <a:rPr lang="fr-FR" dirty="0"/>
+              <a:t>Protocole propriétaire sans horloge</a:t>
+            </a:r>
+          </a:p>
+          <a:p>
+            <a:pPr lvl="1"/>
+            <a:r>
+              <a:rPr lang="fr-FR" dirty="0"/>
+              <a:t>Utilise 1 seul pin digital (30 bits à chaque requête)</a:t>
+            </a:r>
+          </a:p>
+          <a:p>
+            <a:pPr lvl="1"/>
+            <a:r>
+              <a:rPr lang="fr-FR" dirty="0"/>
+              <a:t>De ce fait il est très lent (1 secondes)</a:t>
+            </a:r>
+          </a:p>
+          <a:p>
+            <a:pPr lvl="1"/>
+            <a:r>
+              <a:rPr lang="fr-FR" dirty="0"/>
+              <a:t>Bibliothèque DHT incluse par défaut</a:t>
+            </a:r>
+          </a:p>
+          <a:p>
+            <a:pPr lvl="1"/>
+            <a:r>
+              <a:rPr lang="fr-FR" dirty="0"/>
+              <a:t>Ici le DHT11</a:t>
+            </a:r>
+          </a:p>
+          <a:p>
+            <a:pPr lvl="1"/>
+            <a:r>
+              <a:rPr lang="fr-FR" dirty="0"/>
+              <a:t>import </a:t>
+            </a:r>
+            <a:r>
+              <a:rPr lang="fr-FR" dirty="0" err="1"/>
+              <a:t>dth</a:t>
+            </a:r>
+            <a:endParaRPr lang="fr-FR" dirty="0"/>
+          </a:p>
+          <a:p>
+            <a:pPr lvl="1"/>
+            <a:r>
+              <a:rPr lang="fr-FR" dirty="0"/>
+              <a:t>dht11 = capteur = dht.DHT11(Pin(17))</a:t>
+            </a:r>
+          </a:p>
+          <a:p>
+            <a:pPr lvl="1"/>
+            <a:r>
+              <a:rPr lang="fr-FR" dirty="0" err="1"/>
+              <a:t>capteur.measure</a:t>
+            </a:r>
+            <a:r>
+              <a:rPr lang="fr-FR" dirty="0"/>
+              <a:t>()</a:t>
+            </a:r>
+          </a:p>
+          <a:p>
+            <a:pPr lvl="1"/>
+            <a:r>
+              <a:rPr lang="fr-FR" dirty="0" err="1"/>
+              <a:t>capteur.temperature</a:t>
+            </a:r>
+            <a:r>
+              <a:rPr lang="fr-FR" dirty="0"/>
+              <a:t>() et </a:t>
+            </a:r>
+            <a:r>
+              <a:rPr lang="fr-FR" dirty="0" err="1"/>
+              <a:t>humindity</a:t>
+            </a:r>
+            <a:endParaRPr lang="fr-FR" dirty="0"/>
+          </a:p>
+        </p:txBody>
+      </p:sp>
+      <p:pic>
+        <p:nvPicPr>
+          <p:cNvPr id="5" name="Image 4">
+            <a:extLst>
+              <a:ext uri="{FF2B5EF4-FFF2-40B4-BE49-F238E27FC236}">
+                <a16:creationId xmlns:a16="http://schemas.microsoft.com/office/drawing/2014/main" id="{2FD0537E-4448-4A5A-1C1B-03AF39C461FD}"/>
+              </a:ext>
+            </a:extLst>
+          </p:cNvPr>
+          <p:cNvPicPr>
+            <a:picLocks noChangeAspect="1"/>
+          </p:cNvPicPr>
+          <p:nvPr/>
+        </p:nvPicPr>
+        <p:blipFill>
+          <a:blip r:embed="rId2"/>
+          <a:stretch>
+            <a:fillRect/>
+          </a:stretch>
+        </p:blipFill>
+        <p:spPr>
+          <a:xfrm>
+            <a:off x="6372200" y="3573016"/>
+            <a:ext cx="2381582" cy="2105319"/>
+          </a:xfrm>
+          <a:prstGeom prst="rect">
+            <a:avLst/>
+          </a:prstGeom>
+        </p:spPr>
+      </p:pic>
+    </p:spTree>
+    <p:extLst>
+      <p:ext uri="{BB962C8B-B14F-4D97-AF65-F5344CB8AC3E}">
+        <p14:creationId xmlns:p14="http://schemas.microsoft.com/office/powerpoint/2010/main" val="4098682543"/>
+      </p:ext>
+    </p:extLst>
+  </p:cSld>
+  <p:clrMapOvr>
+    <a:masterClrMapping/>
+  </p:clrMapOvr>
+</p:sld>
+</file>
+
+<file path=ppt/slides/slide3.xml><?xml version="1.0" encoding="utf-8"?>
+<p:sld xmlns:a="http://schemas.openxmlformats.org/drawingml/2006/main" xmlns:r="http://schemas.openxmlformats.org/officeDocument/2006/relationships" xmlns:p="http://schemas.openxmlformats.org/presentationml/2006/main">
+  <p:cSld>
+    <p:spTree>
+      <p:nvGrpSpPr>
+        <p:cNvPr id="1" name=""/>
+        <p:cNvGrpSpPr/>
+        <p:nvPr/>
+      </p:nvGrpSpPr>
+      <p:grpSpPr>
+        <a:xfrm>
+          <a:off x="0" y="0"/>
+          <a:ext cx="0" cy="0"/>
+          <a:chOff x="0" y="0"/>
+          <a:chExt cx="0" cy="0"/>
+        </a:xfrm>
+      </p:grpSpPr>
+      <p:sp>
+        <p:nvSpPr>
+          <p:cNvPr id="2" name="Titre 1">
+            <a:extLst>
+              <a:ext uri="{FF2B5EF4-FFF2-40B4-BE49-F238E27FC236}">
+                <a16:creationId xmlns:a16="http://schemas.microsoft.com/office/drawing/2014/main" id="{6807916F-BF1E-9C7E-2882-8E05FCAD6D3B}"/>
+              </a:ext>
+            </a:extLst>
+          </p:cNvPr>
+          <p:cNvSpPr>
+            <a:spLocks noGrp="1"/>
+          </p:cNvSpPr>
+          <p:nvPr>
+            <p:ph type="title"/>
+          </p:nvPr>
+        </p:nvSpPr>
+        <p:spPr/>
+        <p:txBody>
+          <a:bodyPr/>
+          <a:lstStyle/>
+          <a:p>
+            <a:r>
+              <a:rPr lang="fr-FR" dirty="0"/>
+              <a:t>DHT11</a:t>
+            </a:r>
+          </a:p>
+        </p:txBody>
+      </p:sp>
+      <p:sp>
+        <p:nvSpPr>
+          <p:cNvPr id="3" name="Espace réservé du contenu 2">
+            <a:extLst>
+              <a:ext uri="{FF2B5EF4-FFF2-40B4-BE49-F238E27FC236}">
+                <a16:creationId xmlns:a16="http://schemas.microsoft.com/office/drawing/2014/main" id="{1702CEE3-1724-EB8F-E23B-34C57195CD9B}"/>
+              </a:ext>
+            </a:extLst>
+          </p:cNvPr>
+          <p:cNvSpPr>
+            <a:spLocks noGrp="1"/>
+          </p:cNvSpPr>
+          <p:nvPr>
+            <p:ph idx="1"/>
+          </p:nvPr>
+        </p:nvSpPr>
+        <p:spPr/>
+        <p:txBody>
+          <a:bodyPr/>
+          <a:lstStyle/>
+          <a:p>
+            <a:r>
+              <a:rPr lang="fr-FR" dirty="0"/>
+              <a:t>Attention au branchement 3.3v et au sens</a:t>
+            </a:r>
+          </a:p>
+          <a:p>
+            <a:pPr lvl="1"/>
+            <a:r>
+              <a:rPr lang="fr-FR" dirty="0"/>
+              <a:t>J'en ai grillé 1 facilement</a:t>
+            </a:r>
+          </a:p>
+        </p:txBody>
+      </p:sp>
+      <p:pic>
+        <p:nvPicPr>
+          <p:cNvPr id="2050" name="Picture 2" descr="Câblage du DHT11 et esp32 wroom">
+            <a:extLst>
+              <a:ext uri="{FF2B5EF4-FFF2-40B4-BE49-F238E27FC236}">
+                <a16:creationId xmlns:a16="http://schemas.microsoft.com/office/drawing/2014/main" id="{A4A163B3-6FAB-84EA-25D0-8095857540A1}"/>
+              </a:ext>
+            </a:extLst>
+          </p:cNvPr>
+          <p:cNvPicPr>
+            <a:picLocks noChangeAspect="1" noChangeArrowheads="1"/>
+          </p:cNvPicPr>
+          <p:nvPr/>
+        </p:nvPicPr>
+        <p:blipFill>
+          <a:blip r:embed="rId2">
+            <a:extLst>
+              <a:ext uri="{28A0092B-C50C-407E-A947-70E740481C1C}">
+                <a14:useLocalDpi xmlns:a14="http://schemas.microsoft.com/office/drawing/2010/main" val="0"/>
+              </a:ext>
+            </a:extLst>
+          </a:blip>
+          <a:srcRect/>
+          <a:stretch>
+            <a:fillRect/>
+          </a:stretch>
+        </p:blipFill>
+        <p:spPr bwMode="auto">
+          <a:xfrm>
+            <a:off x="1193131" y="3042111"/>
+            <a:ext cx="5364088" cy="3411225"/>
+          </a:xfrm>
+          <a:prstGeom prst="rect">
+            <a:avLst/>
+          </a:prstGeom>
+          <a:noFill/>
+          <a:extLst>
+            <a:ext uri="{909E8E84-426E-40DD-AFC4-6F175D3DCCD1}">
+              <a14:hiddenFill xmlns:a14="http://schemas.microsoft.com/office/drawing/2010/main">
+                <a:solidFill>
+                  <a:srgbClr val="FFFFFF"/>
+                </a:solidFill>
+              </a14:hiddenFill>
+            </a:ext>
+          </a:extLst>
+        </p:spPr>
+      </p:pic>
+    </p:spTree>
+    <p:extLst>
+      <p:ext uri="{BB962C8B-B14F-4D97-AF65-F5344CB8AC3E}">
+        <p14:creationId xmlns:p14="http://schemas.microsoft.com/office/powerpoint/2010/main" val="4191360856"/>
+      </p:ext>
+    </p:extLst>
+  </p:cSld>
+  <p:clrMapOvr>
+    <a:masterClrMapping/>
+  </p:clrMapOvr>
+</p:sld>
+</file>
+
+<file path=ppt/slides/slide4.xml><?xml version="1.0" encoding="utf-8"?>
+<p:sld xmlns:a="http://schemas.openxmlformats.org/drawingml/2006/main" xmlns:r="http://schemas.openxmlformats.org/officeDocument/2006/relationships" xmlns:p="http://schemas.openxmlformats.org/presentationml/2006/main">
+  <p:cSld>
+    <p:spTree>
+      <p:nvGrpSpPr>
+        <p:cNvPr id="1" name=""/>
+        <p:cNvGrpSpPr/>
+        <p:nvPr/>
+      </p:nvGrpSpPr>
+      <p:grpSpPr>
+        <a:xfrm>
+          <a:off x="0" y="0"/>
+          <a:ext cx="0" cy="0"/>
+          <a:chOff x="0" y="0"/>
+          <a:chExt cx="0" cy="0"/>
+        </a:xfrm>
+      </p:grpSpPr>
+      <p:sp>
+        <p:nvSpPr>
+          <p:cNvPr id="2" name="Titre 1">
+            <a:extLst>
+              <a:ext uri="{FF2B5EF4-FFF2-40B4-BE49-F238E27FC236}">
                 <a16:creationId xmlns:a16="http://schemas.microsoft.com/office/drawing/2014/main" id="{BE9FDABE-0D98-6750-62DE-5F18AC44EE2B}"/>
               </a:ext>
             </a:extLst>
@@ -5148,7 +5802,7 @@
 </p:sld>
 </file>
 
-<file path=ppt/slides/slide3.xml><?xml version="1.0" encoding="utf-8"?>
+<file path=ppt/slides/slide5.xml><?xml version="1.0" encoding="utf-8"?>
 <p:sld xmlns:a="http://schemas.openxmlformats.org/drawingml/2006/main" xmlns:r="http://schemas.openxmlformats.org/officeDocument/2006/relationships" xmlns:p="http://schemas.openxmlformats.org/presentationml/2006/main">
   <p:cSld>
     <p:spTree>
@@ -5293,7 +5947,7 @@
 </p:sld>
 </file>
 
-<file path=ppt/slides/slide4.xml><?xml version="1.0" encoding="utf-8"?>
+<file path=ppt/slides/slide6.xml><?xml version="1.0" encoding="utf-8"?>
 <p:sld xmlns:a="http://schemas.openxmlformats.org/drawingml/2006/main" xmlns:r="http://schemas.openxmlformats.org/officeDocument/2006/relationships" xmlns:p="http://schemas.openxmlformats.org/presentationml/2006/main">
   <p:cSld>
     <p:spTree>
@@ -5479,7 +6133,7 @@
 </p:sld>
 </file>
 
-<file path=ppt/slides/slide5.xml><?xml version="1.0" encoding="utf-8"?>
+<file path=ppt/slides/slide7.xml><?xml version="1.0" encoding="utf-8"?>
 <p:sld xmlns:a="http://schemas.openxmlformats.org/drawingml/2006/main" xmlns:r="http://schemas.openxmlformats.org/officeDocument/2006/relationships" xmlns:p="http://schemas.openxmlformats.org/presentationml/2006/main">
   <p:cSld>
     <p:spTree>
@@ -5581,7 +6235,7 @@
 </p:sld>
 </file>
 
-<file path=ppt/slides/slide6.xml><?xml version="1.0" encoding="utf-8"?>
+<file path=ppt/slides/slide8.xml><?xml version="1.0" encoding="utf-8"?>
 <p:sld xmlns:a="http://schemas.openxmlformats.org/drawingml/2006/main" xmlns:r="http://schemas.openxmlformats.org/officeDocument/2006/relationships" xmlns:p="http://schemas.openxmlformats.org/presentationml/2006/main">
   <p:cSld>
     <p:spTree>
@@ -5701,7 +6355,7 @@
 </p:sld>
 </file>
 
-<file path=ppt/slides/slide7.xml><?xml version="1.0" encoding="utf-8"?>
+<file path=ppt/slides/slide9.xml><?xml version="1.0" encoding="utf-8"?>
 <p:sld xmlns:a="http://schemas.openxmlformats.org/drawingml/2006/main" xmlns:r="http://schemas.openxmlformats.org/officeDocument/2006/relationships" xmlns:p="http://schemas.openxmlformats.org/presentationml/2006/main">
   <p:cSld>
     <p:spTree>
@@ -5818,314 +6472,6 @@
     <p:extLst>
       <p:ext uri="{BB962C8B-B14F-4D97-AF65-F5344CB8AC3E}">
         <p14:creationId xmlns:p14="http://schemas.microsoft.com/office/powerpoint/2010/main" val="2295480703"/>
-      </p:ext>
-    </p:extLst>
-  </p:cSld>
-  <p:clrMapOvr>
-    <a:masterClrMapping/>
-  </p:clrMapOvr>
-</p:sld>
-</file>
-
-<file path=ppt/slides/slide8.xml><?xml version="1.0" encoding="utf-8"?>
-<p:sld xmlns:a="http://schemas.openxmlformats.org/drawingml/2006/main" xmlns:r="http://schemas.openxmlformats.org/officeDocument/2006/relationships" xmlns:p="http://schemas.openxmlformats.org/presentationml/2006/main">
-  <p:cSld>
-    <p:spTree>
-      <p:nvGrpSpPr>
-        <p:cNvPr id="1" name=""/>
-        <p:cNvGrpSpPr/>
-        <p:nvPr/>
-      </p:nvGrpSpPr>
-      <p:grpSpPr>
-        <a:xfrm>
-          <a:off x="0" y="0"/>
-          <a:ext cx="0" cy="0"/>
-          <a:chOff x="0" y="0"/>
-          <a:chExt cx="0" cy="0"/>
-        </a:xfrm>
-      </p:grpSpPr>
-      <p:sp>
-        <p:nvSpPr>
-          <p:cNvPr id="2" name="Titre 1"/>
-          <p:cNvSpPr>
-            <a:spLocks noGrp="1"/>
-          </p:cNvSpPr>
-          <p:nvPr>
-            <p:ph type="title"/>
-          </p:nvPr>
-        </p:nvSpPr>
-        <p:spPr/>
-        <p:txBody>
-          <a:bodyPr/>
-          <a:lstStyle/>
-          <a:p>
-            <a:r>
-              <a:rPr lang="fr-FR" dirty="0"/>
-              <a:t>Capteur de pression I2C</a:t>
-            </a:r>
-          </a:p>
-        </p:txBody>
-      </p:sp>
-      <p:sp>
-        <p:nvSpPr>
-          <p:cNvPr id="3" name="Espace réservé du contenu 2"/>
-          <p:cNvSpPr>
-            <a:spLocks noGrp="1"/>
-          </p:cNvSpPr>
-          <p:nvPr>
-            <p:ph idx="1"/>
-          </p:nvPr>
-        </p:nvSpPr>
-        <p:spPr>
-          <a:xfrm>
-            <a:off x="179512" y="1412776"/>
-            <a:ext cx="5040559" cy="5040560"/>
-          </a:xfrm>
-        </p:spPr>
-        <p:txBody>
-          <a:bodyPr/>
-          <a:lstStyle/>
-          <a:p>
-            <a:r>
-              <a:rPr lang="fr-FR" dirty="0"/>
-              <a:t>BM280 est un capteur de pression I2C</a:t>
-            </a:r>
-          </a:p>
-          <a:p>
-            <a:pPr lvl="1"/>
-            <a:r>
-              <a:rPr lang="fr-FR" dirty="0"/>
-              <a:t>BME280_float.py</a:t>
-            </a:r>
-          </a:p>
-          <a:p>
-            <a:pPr lvl="1"/>
-            <a:r>
-              <a:rPr lang="fr-FR" dirty="0"/>
-              <a:t>A sauver sur ESP32 avec Save As</a:t>
-            </a:r>
-          </a:p>
-          <a:p>
-            <a:endParaRPr lang="fr-FR" dirty="0"/>
-          </a:p>
-        </p:txBody>
-      </p:sp>
-      <p:pic>
-        <p:nvPicPr>
-          <p:cNvPr id="5" name="Image 4"/>
-          <p:cNvPicPr/>
-          <p:nvPr/>
-        </p:nvPicPr>
-        <p:blipFill>
-          <a:blip r:embed="rId2"/>
-          <a:stretch>
-            <a:fillRect/>
-          </a:stretch>
-        </p:blipFill>
-        <p:spPr>
-          <a:xfrm>
-            <a:off x="5135710" y="1348774"/>
-            <a:ext cx="3104381" cy="1815653"/>
-          </a:xfrm>
-          <a:prstGeom prst="rect">
-            <a:avLst/>
-          </a:prstGeom>
-        </p:spPr>
-      </p:pic>
-      <p:pic>
-        <p:nvPicPr>
-          <p:cNvPr id="7" name="Image 6">
-            <a:extLst>
-              <a:ext uri="{FF2B5EF4-FFF2-40B4-BE49-F238E27FC236}">
-                <a16:creationId xmlns:a16="http://schemas.microsoft.com/office/drawing/2014/main" id="{8B4593B8-53AF-BB9E-9AD1-B0D427340B88}"/>
-              </a:ext>
-            </a:extLst>
-          </p:cNvPr>
-          <p:cNvPicPr>
-            <a:picLocks noChangeAspect="1"/>
-          </p:cNvPicPr>
-          <p:nvPr/>
-        </p:nvPicPr>
-        <p:blipFill>
-          <a:blip r:embed="rId3"/>
-          <a:stretch>
-            <a:fillRect/>
-          </a:stretch>
-        </p:blipFill>
-        <p:spPr>
-          <a:xfrm>
-            <a:off x="1968231" y="4726653"/>
-            <a:ext cx="5639587" cy="1743318"/>
-          </a:xfrm>
-          <a:prstGeom prst="rect">
-            <a:avLst/>
-          </a:prstGeom>
-        </p:spPr>
-      </p:pic>
-    </p:spTree>
-    <p:extLst>
-      <p:ext uri="{BB962C8B-B14F-4D97-AF65-F5344CB8AC3E}">
-        <p14:creationId xmlns:p14="http://schemas.microsoft.com/office/powerpoint/2010/main" val="348249065"/>
-      </p:ext>
-    </p:extLst>
-  </p:cSld>
-  <p:clrMapOvr>
-    <a:masterClrMapping/>
-  </p:clrMapOvr>
-</p:sld>
-</file>
-
-<file path=ppt/slides/slide9.xml><?xml version="1.0" encoding="utf-8"?>
-<p:sld xmlns:a="http://schemas.openxmlformats.org/drawingml/2006/main" xmlns:r="http://schemas.openxmlformats.org/officeDocument/2006/relationships" xmlns:p="http://schemas.openxmlformats.org/presentationml/2006/main">
-  <p:cSld>
-    <p:spTree>
-      <p:nvGrpSpPr>
-        <p:cNvPr id="1" name=""/>
-        <p:cNvGrpSpPr/>
-        <p:nvPr/>
-      </p:nvGrpSpPr>
-      <p:grpSpPr>
-        <a:xfrm>
-          <a:off x="0" y="0"/>
-          <a:ext cx="0" cy="0"/>
-          <a:chOff x="0" y="0"/>
-          <a:chExt cx="0" cy="0"/>
-        </a:xfrm>
-      </p:grpSpPr>
-      <p:sp>
-        <p:nvSpPr>
-          <p:cNvPr id="2" name="Titre 1">
-            <a:extLst>
-              <a:ext uri="{FF2B5EF4-FFF2-40B4-BE49-F238E27FC236}">
-                <a16:creationId xmlns:a16="http://schemas.microsoft.com/office/drawing/2014/main" id="{AA307E13-C1FE-5F93-2E20-65023D456124}"/>
-              </a:ext>
-            </a:extLst>
-          </p:cNvPr>
-          <p:cNvSpPr>
-            <a:spLocks noGrp="1"/>
-          </p:cNvSpPr>
-          <p:nvPr>
-            <p:ph type="title"/>
-          </p:nvPr>
-        </p:nvSpPr>
-        <p:spPr/>
-        <p:txBody>
-          <a:bodyPr/>
-          <a:lstStyle/>
-          <a:p>
-            <a:r>
-              <a:rPr lang="fr-FR" dirty="0"/>
-              <a:t>Branchement</a:t>
-            </a:r>
-          </a:p>
-        </p:txBody>
-      </p:sp>
-      <p:sp>
-        <p:nvSpPr>
-          <p:cNvPr id="3" name="Espace réservé du contenu 2">
-            <a:extLst>
-              <a:ext uri="{FF2B5EF4-FFF2-40B4-BE49-F238E27FC236}">
-                <a16:creationId xmlns:a16="http://schemas.microsoft.com/office/drawing/2014/main" id="{B6FABC04-8983-9588-2C36-465E941D1524}"/>
-              </a:ext>
-            </a:extLst>
-          </p:cNvPr>
-          <p:cNvSpPr>
-            <a:spLocks noGrp="1"/>
-          </p:cNvSpPr>
-          <p:nvPr>
-            <p:ph idx="1"/>
-          </p:nvPr>
-        </p:nvSpPr>
-        <p:spPr/>
-        <p:txBody>
-          <a:bodyPr/>
-          <a:lstStyle/>
-          <a:p>
-            <a:endParaRPr lang="fr-FR"/>
-          </a:p>
-        </p:txBody>
-      </p:sp>
-      <p:pic>
-        <p:nvPicPr>
-          <p:cNvPr id="1026" name="Picture 2" descr="MicroPython : BME280 avec ESP32 et ESP8266 (Pression, Température, Humidité)">
-            <a:extLst>
-              <a:ext uri="{FF2B5EF4-FFF2-40B4-BE49-F238E27FC236}">
-                <a16:creationId xmlns:a16="http://schemas.microsoft.com/office/drawing/2014/main" id="{6AE904DA-5073-5A53-D2EC-50BDAA4800AC}"/>
-              </a:ext>
-            </a:extLst>
-          </p:cNvPr>
-          <p:cNvPicPr>
-            <a:picLocks noChangeAspect="1" noChangeArrowheads="1"/>
-          </p:cNvPicPr>
-          <p:nvPr/>
-        </p:nvPicPr>
-        <p:blipFill>
-          <a:blip r:embed="rId2">
-            <a:extLst>
-              <a:ext uri="{28A0092B-C50C-407E-A947-70E740481C1C}">
-                <a14:useLocalDpi xmlns:a14="http://schemas.microsoft.com/office/drawing/2010/main" val="0"/>
-              </a:ext>
-            </a:extLst>
-          </a:blip>
-          <a:srcRect/>
-          <a:stretch>
-            <a:fillRect/>
-          </a:stretch>
-        </p:blipFill>
-        <p:spPr bwMode="auto">
-          <a:xfrm>
-            <a:off x="914400" y="836712"/>
-            <a:ext cx="6633501" cy="5778401"/>
-          </a:xfrm>
-          <a:prstGeom prst="rect">
-            <a:avLst/>
-          </a:prstGeom>
-          <a:noFill/>
-          <a:extLst>
-            <a:ext uri="{909E8E84-426E-40DD-AFC4-6F175D3DCCD1}">
-              <a14:hiddenFill xmlns:a14="http://schemas.microsoft.com/office/drawing/2010/main">
-                <a:solidFill>
-                  <a:srgbClr val="FFFFFF"/>
-                </a:solidFill>
-              </a14:hiddenFill>
-            </a:ext>
-          </a:extLst>
-        </p:spPr>
-      </p:pic>
-      <p:pic>
-        <p:nvPicPr>
-          <p:cNvPr id="4" name="Image 3">
-            <a:extLst>
-              <a:ext uri="{FF2B5EF4-FFF2-40B4-BE49-F238E27FC236}">
-                <a16:creationId xmlns:a16="http://schemas.microsoft.com/office/drawing/2014/main" id="{050D0363-C604-2494-7A5B-1C49C4E2A036}"/>
-              </a:ext>
-            </a:extLst>
-          </p:cNvPr>
-          <p:cNvPicPr>
-            <a:picLocks noChangeAspect="1"/>
-          </p:cNvPicPr>
-          <p:nvPr/>
-        </p:nvPicPr>
-        <p:blipFill>
-          <a:blip r:embed="rId3"/>
-          <a:stretch>
-            <a:fillRect/>
-          </a:stretch>
-        </p:blipFill>
-        <p:spPr>
-          <a:xfrm>
-            <a:off x="4369117" y="4705032"/>
-            <a:ext cx="4761583" cy="1480384"/>
-          </a:xfrm>
-          <a:prstGeom prst="rect">
-            <a:avLst/>
-          </a:prstGeom>
-        </p:spPr>
-      </p:pic>
-    </p:spTree>
-    <p:extLst>
-      <p:ext uri="{BB962C8B-B14F-4D97-AF65-F5344CB8AC3E}">
-        <p14:creationId xmlns:p14="http://schemas.microsoft.com/office/powerpoint/2010/main" val="976800980"/>
       </p:ext>
     </p:extLst>
   </p:cSld>

--- a/ppt/IoT20-MicropythonBus.pptx
+++ b/ppt/IoT20-MicropythonBus.pptx
@@ -5,31 +5,33 @@
     <p:sldMasterId id="2147483653" r:id="rId1"/>
   </p:sldMasterIdLst>
   <p:notesMasterIdLst>
-    <p:notesMasterId r:id="rId21"/>
+    <p:notesMasterId r:id="rId23"/>
   </p:notesMasterIdLst>
   <p:handoutMasterIdLst>
-    <p:handoutMasterId r:id="rId22"/>
+    <p:handoutMasterId r:id="rId24"/>
   </p:handoutMasterIdLst>
   <p:sldIdLst>
     <p:sldId id="264" r:id="rId2"/>
     <p:sldId id="305" r:id="rId3"/>
     <p:sldId id="306" r:id="rId4"/>
-    <p:sldId id="289" r:id="rId5"/>
-    <p:sldId id="287" r:id="rId6"/>
-    <p:sldId id="286" r:id="rId7"/>
-    <p:sldId id="283" r:id="rId8"/>
-    <p:sldId id="290" r:id="rId9"/>
-    <p:sldId id="294" r:id="rId10"/>
-    <p:sldId id="284" r:id="rId11"/>
-    <p:sldId id="298" r:id="rId12"/>
-    <p:sldId id="285" r:id="rId13"/>
-    <p:sldId id="297" r:id="rId14"/>
-    <p:sldId id="299" r:id="rId15"/>
-    <p:sldId id="303" r:id="rId16"/>
-    <p:sldId id="292" r:id="rId17"/>
-    <p:sldId id="293" r:id="rId18"/>
-    <p:sldId id="304" r:id="rId19"/>
-    <p:sldId id="296" r:id="rId20"/>
+    <p:sldId id="307" r:id="rId5"/>
+    <p:sldId id="289" r:id="rId6"/>
+    <p:sldId id="287" r:id="rId7"/>
+    <p:sldId id="286" r:id="rId8"/>
+    <p:sldId id="283" r:id="rId9"/>
+    <p:sldId id="290" r:id="rId10"/>
+    <p:sldId id="294" r:id="rId11"/>
+    <p:sldId id="301" r:id="rId12"/>
+    <p:sldId id="284" r:id="rId13"/>
+    <p:sldId id="298" r:id="rId14"/>
+    <p:sldId id="285" r:id="rId15"/>
+    <p:sldId id="297" r:id="rId16"/>
+    <p:sldId id="299" r:id="rId17"/>
+    <p:sldId id="303" r:id="rId18"/>
+    <p:sldId id="292" r:id="rId19"/>
+    <p:sldId id="293" r:id="rId20"/>
+    <p:sldId id="304" r:id="rId21"/>
+    <p:sldId id="296" r:id="rId22"/>
   </p:sldIdLst>
   <p:sldSz cx="9144000" cy="6858000" type="screen4x3"/>
   <p:notesSz cx="6648450" cy="9782175"/>
@@ -3738,6 +3740,262 @@
       </p:grpSpPr>
       <p:sp>
         <p:nvSpPr>
+          <p:cNvPr id="2" name="Titre 1">
+            <a:extLst>
+              <a:ext uri="{FF2B5EF4-FFF2-40B4-BE49-F238E27FC236}">
+                <a16:creationId xmlns:a16="http://schemas.microsoft.com/office/drawing/2014/main" id="{32944F62-F0B8-697C-761E-5F625F27C993}"/>
+              </a:ext>
+            </a:extLst>
+          </p:cNvPr>
+          <p:cNvSpPr>
+            <a:spLocks noGrp="1"/>
+          </p:cNvSpPr>
+          <p:nvPr>
+            <p:ph type="title"/>
+          </p:nvPr>
+        </p:nvSpPr>
+        <p:spPr/>
+        <p:txBody>
+          <a:bodyPr/>
+          <a:lstStyle/>
+          <a:p>
+            <a:r>
+              <a:rPr lang="fr-FR" dirty="0"/>
+              <a:t>I2C</a:t>
+            </a:r>
+          </a:p>
+        </p:txBody>
+      </p:sp>
+      <p:sp>
+        <p:nvSpPr>
+          <p:cNvPr id="3" name="Espace réservé du contenu 2">
+            <a:extLst>
+              <a:ext uri="{FF2B5EF4-FFF2-40B4-BE49-F238E27FC236}">
+                <a16:creationId xmlns:a16="http://schemas.microsoft.com/office/drawing/2014/main" id="{17FA0753-ED80-146A-AF08-68D11A6FAA8F}"/>
+              </a:ext>
+            </a:extLst>
+          </p:cNvPr>
+          <p:cNvSpPr>
+            <a:spLocks noGrp="1"/>
+          </p:cNvSpPr>
+          <p:nvPr>
+            <p:ph idx="1"/>
+          </p:nvPr>
+        </p:nvSpPr>
+        <p:spPr/>
+        <p:txBody>
+          <a:bodyPr/>
+          <a:lstStyle/>
+          <a:p>
+            <a:r>
+              <a:rPr lang="fr-FR" dirty="0"/>
+              <a:t>Sur ESP32 il y a 1 bus I2C</a:t>
+            </a:r>
+          </a:p>
+          <a:p>
+            <a:pPr lvl="1"/>
+            <a:r>
+              <a:rPr lang="fr-FR" dirty="0"/>
+              <a:t>21 = SDA</a:t>
+            </a:r>
+          </a:p>
+          <a:p>
+            <a:pPr lvl="1"/>
+            <a:r>
+              <a:rPr lang="fr-FR" dirty="0"/>
+              <a:t>22 = SCL</a:t>
+            </a:r>
+          </a:p>
+          <a:p>
+            <a:pPr lvl="1"/>
+            <a:r>
+              <a:rPr lang="fr-FR" dirty="0"/>
+              <a:t>Il est possible de brancher tous les périphériques I2C sur le même port I2C</a:t>
+            </a:r>
+          </a:p>
+          <a:p>
+            <a:r>
+              <a:rPr lang="fr-FR" dirty="0"/>
+              <a:t>machine.I2C</a:t>
+            </a:r>
+          </a:p>
+          <a:p>
+            <a:r>
+              <a:rPr lang="fr-FR" dirty="0"/>
+              <a:t>Il est possible d'émuler de l'I2C sur tus les ports en sortie</a:t>
+            </a:r>
+          </a:p>
+          <a:p>
+            <a:pPr lvl="1"/>
+            <a:r>
+              <a:rPr lang="fr-FR" dirty="0"/>
+              <a:t>Remplacer machine.I2C par machine.SoftI2C</a:t>
+            </a:r>
+          </a:p>
+        </p:txBody>
+      </p:sp>
+    </p:spTree>
+    <p:extLst>
+      <p:ext uri="{BB962C8B-B14F-4D97-AF65-F5344CB8AC3E}">
+        <p14:creationId xmlns:p14="http://schemas.microsoft.com/office/powerpoint/2010/main" val="2295480703"/>
+      </p:ext>
+    </p:extLst>
+  </p:cSld>
+  <p:clrMapOvr>
+    <a:masterClrMapping/>
+  </p:clrMapOvr>
+</p:sld>
+</file>
+
+<file path=ppt/slides/slide11.xml><?xml version="1.0" encoding="utf-8"?>
+<p:sld xmlns:a="http://schemas.openxmlformats.org/drawingml/2006/main" xmlns:r="http://schemas.openxmlformats.org/officeDocument/2006/relationships" xmlns:p="http://schemas.openxmlformats.org/presentationml/2006/main">
+  <p:cSld>
+    <p:spTree>
+      <p:nvGrpSpPr>
+        <p:cNvPr id="1" name=""/>
+        <p:cNvGrpSpPr/>
+        <p:nvPr/>
+      </p:nvGrpSpPr>
+      <p:grpSpPr>
+        <a:xfrm>
+          <a:off x="0" y="0"/>
+          <a:ext cx="0" cy="0"/>
+          <a:chOff x="0" y="0"/>
+          <a:chExt cx="0" cy="0"/>
+        </a:xfrm>
+      </p:grpSpPr>
+      <p:sp>
+        <p:nvSpPr>
+          <p:cNvPr id="2" name="Titre 1">
+            <a:extLst>
+              <a:ext uri="{FF2B5EF4-FFF2-40B4-BE49-F238E27FC236}">
+                <a16:creationId xmlns:a16="http://schemas.microsoft.com/office/drawing/2014/main" id="{D5DF5FA1-CF3C-D5FA-9FE8-4A2810A4A236}"/>
+              </a:ext>
+            </a:extLst>
+          </p:cNvPr>
+          <p:cNvSpPr>
+            <a:spLocks noGrp="1"/>
+          </p:cNvSpPr>
+          <p:nvPr>
+            <p:ph type="title"/>
+          </p:nvPr>
+        </p:nvSpPr>
+        <p:spPr/>
+        <p:txBody>
+          <a:bodyPr/>
+          <a:lstStyle/>
+          <a:p>
+            <a:r>
+              <a:rPr lang="fr-FR" dirty="0"/>
+              <a:t>Protocole I2C</a:t>
+            </a:r>
+          </a:p>
+        </p:txBody>
+      </p:sp>
+      <p:sp>
+        <p:nvSpPr>
+          <p:cNvPr id="3" name="Espace réservé du contenu 2">
+            <a:extLst>
+              <a:ext uri="{FF2B5EF4-FFF2-40B4-BE49-F238E27FC236}">
+                <a16:creationId xmlns:a16="http://schemas.microsoft.com/office/drawing/2014/main" id="{93CA8EEC-E370-296D-8DD4-6BA87BC1E928}"/>
+              </a:ext>
+            </a:extLst>
+          </p:cNvPr>
+          <p:cNvSpPr>
+            <a:spLocks noGrp="1"/>
+          </p:cNvSpPr>
+          <p:nvPr>
+            <p:ph idx="1"/>
+          </p:nvPr>
+        </p:nvSpPr>
+        <p:spPr/>
+        <p:txBody>
+          <a:bodyPr/>
+          <a:lstStyle/>
+          <a:p>
+            <a:endParaRPr lang="fr-FR"/>
+          </a:p>
+        </p:txBody>
+      </p:sp>
+      <p:pic>
+        <p:nvPicPr>
+          <p:cNvPr id="1026" name="Picture 2" descr="img">
+            <a:extLst>
+              <a:ext uri="{FF2B5EF4-FFF2-40B4-BE49-F238E27FC236}">
+                <a16:creationId xmlns:a16="http://schemas.microsoft.com/office/drawing/2014/main" id="{C2B61A84-7040-3DC2-0F0C-7D183081D149}"/>
+              </a:ext>
+            </a:extLst>
+          </p:cNvPr>
+          <p:cNvPicPr>
+            <a:picLocks noChangeAspect="1" noChangeArrowheads="1"/>
+          </p:cNvPicPr>
+          <p:nvPr/>
+        </p:nvPicPr>
+        <p:blipFill>
+          <a:blip r:embed="rId2" cstate="print">
+            <a:extLst>
+              <a:ext uri="{28A0092B-C50C-407E-A947-70E740481C1C}">
+                <a14:useLocalDpi xmlns:a14="http://schemas.microsoft.com/office/drawing/2010/main" val="0"/>
+              </a:ext>
+            </a:extLst>
+          </a:blip>
+          <a:srcRect/>
+          <a:stretch>
+            <a:fillRect/>
+          </a:stretch>
+        </p:blipFill>
+        <p:spPr bwMode="auto">
+          <a:xfrm>
+            <a:off x="0" y="1414357"/>
+            <a:ext cx="9144000" cy="5143500"/>
+          </a:xfrm>
+          <a:prstGeom prst="rect">
+            <a:avLst/>
+          </a:prstGeom>
+          <a:noFill/>
+          <a:extLst>
+            <a:ext uri="{909E8E84-426E-40DD-AFC4-6F175D3DCCD1}">
+              <a14:hiddenFill xmlns:a14="http://schemas.microsoft.com/office/drawing/2010/main">
+                <a:solidFill>
+                  <a:srgbClr val="FFFFFF"/>
+                </a:solidFill>
+              </a14:hiddenFill>
+            </a:ext>
+          </a:extLst>
+        </p:spPr>
+      </p:pic>
+    </p:spTree>
+    <p:extLst>
+      <p:ext uri="{BB962C8B-B14F-4D97-AF65-F5344CB8AC3E}">
+        <p14:creationId xmlns:p14="http://schemas.microsoft.com/office/powerpoint/2010/main" val="4056272825"/>
+      </p:ext>
+    </p:extLst>
+  </p:cSld>
+  <p:clrMapOvr>
+    <a:masterClrMapping/>
+  </p:clrMapOvr>
+</p:sld>
+</file>
+
+<file path=ppt/slides/slide12.xml><?xml version="1.0" encoding="utf-8"?>
+<p:sld xmlns:a="http://schemas.openxmlformats.org/drawingml/2006/main" xmlns:r="http://schemas.openxmlformats.org/officeDocument/2006/relationships" xmlns:p="http://schemas.openxmlformats.org/presentationml/2006/main">
+  <p:cSld>
+    <p:spTree>
+      <p:nvGrpSpPr>
+        <p:cNvPr id="1" name=""/>
+        <p:cNvGrpSpPr/>
+        <p:nvPr/>
+      </p:nvGrpSpPr>
+      <p:grpSpPr>
+        <a:xfrm>
+          <a:off x="0" y="0"/>
+          <a:ext cx="0" cy="0"/>
+          <a:chOff x="0" y="0"/>
+          <a:chExt cx="0" cy="0"/>
+        </a:xfrm>
+      </p:grpSpPr>
+      <p:sp>
+        <p:nvSpPr>
           <p:cNvPr id="2" name="Titre 1"/>
           <p:cNvSpPr>
             <a:spLocks noGrp="1"/>
@@ -3867,7 +4125,7 @@
 </p:sld>
 </file>
 
-<file path=ppt/slides/slide11.xml><?xml version="1.0" encoding="utf-8"?>
+<file path=ppt/slides/slide13.xml><?xml version="1.0" encoding="utf-8"?>
 <p:sld xmlns:a="http://schemas.openxmlformats.org/drawingml/2006/main" xmlns:r="http://schemas.openxmlformats.org/officeDocument/2006/relationships" xmlns:p="http://schemas.openxmlformats.org/presentationml/2006/main">
   <p:cSld>
     <p:spTree>
@@ -4027,7 +4285,7 @@
 </p:sld>
 </file>
 
-<file path=ppt/slides/slide12.xml><?xml version="1.0" encoding="utf-8"?>
+<file path=ppt/slides/slide14.xml><?xml version="1.0" encoding="utf-8"?>
 <p:sld xmlns:a="http://schemas.openxmlformats.org/drawingml/2006/main" xmlns:r="http://schemas.openxmlformats.org/officeDocument/2006/relationships" xmlns:p="http://schemas.openxmlformats.org/presentationml/2006/main">
   <p:cSld>
     <p:spTree>
@@ -4248,7 +4506,7 @@
 </p:sld>
 </file>
 
-<file path=ppt/slides/slide13.xml><?xml version="1.0" encoding="utf-8"?>
+<file path=ppt/slides/slide15.xml><?xml version="1.0" encoding="utf-8"?>
 <p:sld xmlns:a="http://schemas.openxmlformats.org/drawingml/2006/main" xmlns:r="http://schemas.openxmlformats.org/officeDocument/2006/relationships" xmlns:p="http://schemas.openxmlformats.org/presentationml/2006/main">
   <p:cSld>
     <p:spTree>
@@ -4381,7 +4639,7 @@
 </p:sld>
 </file>
 
-<file path=ppt/slides/slide14.xml><?xml version="1.0" encoding="utf-8"?>
+<file path=ppt/slides/slide16.xml><?xml version="1.0" encoding="utf-8"?>
 <p:sld xmlns:a="http://schemas.openxmlformats.org/drawingml/2006/main" xmlns:r="http://schemas.openxmlformats.org/officeDocument/2006/relationships" xmlns:p="http://schemas.openxmlformats.org/presentationml/2006/main">
   <p:cSld>
     <p:spTree>
@@ -4511,7 +4769,7 @@
 </p:sld>
 </file>
 
-<file path=ppt/slides/slide15.xml><?xml version="1.0" encoding="utf-8"?>
+<file path=ppt/slides/slide17.xml><?xml version="1.0" encoding="utf-8"?>
 <p:sld xmlns:a="http://schemas.openxmlformats.org/drawingml/2006/main" xmlns:r="http://schemas.openxmlformats.org/officeDocument/2006/relationships" xmlns:p="http://schemas.openxmlformats.org/presentationml/2006/main">
   <p:cSld>
     <p:spTree>
@@ -4722,7 +4980,7 @@
 </p:sld>
 </file>
 
-<file path=ppt/slides/slide16.xml><?xml version="1.0" encoding="utf-8"?>
+<file path=ppt/slides/slide18.xml><?xml version="1.0" encoding="utf-8"?>
 <p:sld xmlns:a="http://schemas.openxmlformats.org/drawingml/2006/main" xmlns:r="http://schemas.openxmlformats.org/officeDocument/2006/relationships" xmlns:p="http://schemas.openxmlformats.org/presentationml/2006/main">
   <p:cSld>
     <p:spTree>
@@ -4864,7 +5122,7 @@
 </p:sld>
 </file>
 
-<file path=ppt/slides/slide17.xml><?xml version="1.0" encoding="utf-8"?>
+<file path=ppt/slides/slide19.xml><?xml version="1.0" encoding="utf-8"?>
 <p:sld xmlns:a="http://schemas.openxmlformats.org/drawingml/2006/main" xmlns:r="http://schemas.openxmlformats.org/officeDocument/2006/relationships" xmlns:p="http://schemas.openxmlformats.org/presentationml/2006/main">
   <p:cSld>
     <p:spTree>
@@ -5039,7 +5297,211 @@
 </p:sld>
 </file>
 
-<file path=ppt/slides/slide18.xml><?xml version="1.0" encoding="utf-8"?>
+<file path=ppt/slides/slide2.xml><?xml version="1.0" encoding="utf-8"?>
+<p:sld xmlns:a="http://schemas.openxmlformats.org/drawingml/2006/main" xmlns:r="http://schemas.openxmlformats.org/officeDocument/2006/relationships" xmlns:p="http://schemas.openxmlformats.org/presentationml/2006/main">
+  <p:cSld>
+    <p:spTree>
+      <p:nvGrpSpPr>
+        <p:cNvPr id="1" name=""/>
+        <p:cNvGrpSpPr/>
+        <p:nvPr/>
+      </p:nvGrpSpPr>
+      <p:grpSpPr>
+        <a:xfrm>
+          <a:off x="0" y="0"/>
+          <a:ext cx="0" cy="0"/>
+          <a:chOff x="0" y="0"/>
+          <a:chExt cx="0" cy="0"/>
+        </a:xfrm>
+      </p:grpSpPr>
+      <p:sp>
+        <p:nvSpPr>
+          <p:cNvPr id="2" name="Titre 1">
+            <a:extLst>
+              <a:ext uri="{FF2B5EF4-FFF2-40B4-BE49-F238E27FC236}">
+                <a16:creationId xmlns:a16="http://schemas.microsoft.com/office/drawing/2014/main" id="{9D38F5F3-2EC9-7AE2-A0C7-6617175AFA22}"/>
+              </a:ext>
+            </a:extLst>
+          </p:cNvPr>
+          <p:cNvSpPr>
+            <a:spLocks noGrp="1"/>
+          </p:cNvSpPr>
+          <p:nvPr>
+            <p:ph type="title"/>
+          </p:nvPr>
+        </p:nvSpPr>
+        <p:spPr/>
+        <p:txBody>
+          <a:bodyPr/>
+          <a:lstStyle/>
+          <a:p>
+            <a:r>
+              <a:rPr lang="fr-FR" dirty="0"/>
+              <a:t>Protocole DHT</a:t>
+            </a:r>
+          </a:p>
+        </p:txBody>
+      </p:sp>
+      <p:sp>
+        <p:nvSpPr>
+          <p:cNvPr id="3" name="Espace réservé du contenu 2">
+            <a:extLst>
+              <a:ext uri="{FF2B5EF4-FFF2-40B4-BE49-F238E27FC236}">
+                <a16:creationId xmlns:a16="http://schemas.microsoft.com/office/drawing/2014/main" id="{D9B55325-8B91-5D0D-4DD5-52FFF91D3BB9}"/>
+              </a:ext>
+            </a:extLst>
+          </p:cNvPr>
+          <p:cNvSpPr>
+            <a:spLocks noGrp="1"/>
+          </p:cNvSpPr>
+          <p:nvPr>
+            <p:ph idx="1"/>
+          </p:nvPr>
+        </p:nvSpPr>
+        <p:spPr/>
+        <p:txBody>
+          <a:bodyPr/>
+          <a:lstStyle/>
+          <a:p>
+            <a:r>
+              <a:rPr lang="fr-FR" dirty="0"/>
+              <a:t>DHT</a:t>
+            </a:r>
+          </a:p>
+          <a:p>
+            <a:pPr lvl="1"/>
+            <a:r>
+              <a:rPr lang="fr-FR" dirty="0"/>
+              <a:t>Très peu chère</a:t>
+            </a:r>
+          </a:p>
+          <a:p>
+            <a:pPr lvl="1"/>
+            <a:r>
+              <a:rPr lang="fr-FR" dirty="0"/>
+              <a:t>Protocole propriétaire sans horloge</a:t>
+            </a:r>
+          </a:p>
+          <a:p>
+            <a:pPr lvl="1"/>
+            <a:r>
+              <a:rPr lang="fr-FR" dirty="0"/>
+              <a:t>Utilise 1 seul pin digital (30 bits à chaque requête)</a:t>
+            </a:r>
+          </a:p>
+          <a:p>
+            <a:pPr lvl="1"/>
+            <a:r>
+              <a:rPr lang="fr-FR" dirty="0"/>
+              <a:t>De ce fait il est très lent (1 secondes)</a:t>
+            </a:r>
+          </a:p>
+          <a:p>
+            <a:pPr lvl="1"/>
+            <a:r>
+              <a:rPr lang="fr-FR" dirty="0"/>
+              <a:t>Bibliothèque DHT incluse par défaut</a:t>
+            </a:r>
+          </a:p>
+          <a:p>
+            <a:pPr lvl="1"/>
+            <a:r>
+              <a:rPr lang="fr-FR" dirty="0"/>
+              <a:t>Ici le DHT11</a:t>
+            </a:r>
+          </a:p>
+          <a:p>
+            <a:pPr lvl="1"/>
+            <a:r>
+              <a:rPr lang="fr-FR" dirty="0"/>
+              <a:t>import </a:t>
+            </a:r>
+            <a:r>
+              <a:rPr lang="fr-FR" dirty="0" err="1"/>
+              <a:t>dth</a:t>
+            </a:r>
+            <a:endParaRPr lang="fr-FR" dirty="0"/>
+          </a:p>
+          <a:p>
+            <a:pPr lvl="1"/>
+            <a:r>
+              <a:rPr lang="fr-FR" dirty="0"/>
+              <a:t>dht11 = capteur = dht.DHT11(Pin(17))</a:t>
+            </a:r>
+          </a:p>
+          <a:p>
+            <a:pPr lvl="1"/>
+            <a:r>
+              <a:rPr lang="fr-FR" dirty="0" err="1"/>
+              <a:t>capteur.measure</a:t>
+            </a:r>
+            <a:r>
+              <a:rPr lang="fr-FR" dirty="0"/>
+              <a:t>()</a:t>
+            </a:r>
+          </a:p>
+          <a:p>
+            <a:pPr lvl="1"/>
+            <a:r>
+              <a:rPr lang="fr-FR" dirty="0" err="1"/>
+              <a:t>capteur.temperature</a:t>
+            </a:r>
+            <a:r>
+              <a:rPr lang="fr-FR" dirty="0"/>
+              <a:t>() et </a:t>
+            </a:r>
+            <a:r>
+              <a:rPr lang="fr-FR" dirty="0" err="1"/>
+              <a:t>humindity</a:t>
+            </a:r>
+            <a:endParaRPr lang="fr-FR" dirty="0"/>
+          </a:p>
+        </p:txBody>
+      </p:sp>
+      <p:pic>
+        <p:nvPicPr>
+          <p:cNvPr id="5" name="Image 4">
+            <a:extLst>
+              <a:ext uri="{FF2B5EF4-FFF2-40B4-BE49-F238E27FC236}">
+                <a16:creationId xmlns:a16="http://schemas.microsoft.com/office/drawing/2014/main" id="{2FD0537E-4448-4A5A-1C1B-03AF39C461FD}"/>
+              </a:ext>
+            </a:extLst>
+          </p:cNvPr>
+          <p:cNvPicPr>
+            <a:picLocks noChangeAspect="1"/>
+          </p:cNvPicPr>
+          <p:nvPr/>
+        </p:nvPicPr>
+        <p:blipFill>
+          <a:blip r:embed="rId2"/>
+          <a:stretch>
+            <a:fillRect/>
+          </a:stretch>
+        </p:blipFill>
+        <p:spPr>
+          <a:xfrm>
+            <a:off x="6372200" y="3573016"/>
+            <a:ext cx="2381582" cy="2105319"/>
+          </a:xfrm>
+          <a:prstGeom prst="rect">
+            <a:avLst/>
+          </a:prstGeom>
+        </p:spPr>
+      </p:pic>
+    </p:spTree>
+    <p:extLst>
+      <p:ext uri="{BB962C8B-B14F-4D97-AF65-F5344CB8AC3E}">
+        <p14:creationId xmlns:p14="http://schemas.microsoft.com/office/powerpoint/2010/main" val="4098682543"/>
+      </p:ext>
+    </p:extLst>
+  </p:cSld>
+  <p:clrMapOvr>
+    <a:masterClrMapping/>
+  </p:clrMapOvr>
+</p:sld>
+</file>
+
+<file path=ppt/slides/slide20.xml><?xml version="1.0" encoding="utf-8"?>
 <p:sld xmlns:a="http://schemas.openxmlformats.org/drawingml/2006/main" xmlns:r="http://schemas.openxmlformats.org/officeDocument/2006/relationships" xmlns:p="http://schemas.openxmlformats.org/presentationml/2006/main">
   <p:cSld>
     <p:spTree>
@@ -5167,7 +5629,7 @@
 </p:sld>
 </file>
 
-<file path=ppt/slides/slide19.xml><?xml version="1.0" encoding="utf-8"?>
+<file path=ppt/slides/slide21.xml><?xml version="1.0" encoding="utf-8"?>
 <p:sld xmlns:a="http://schemas.openxmlformats.org/drawingml/2006/main" xmlns:r="http://schemas.openxmlformats.org/officeDocument/2006/relationships" xmlns:p="http://schemas.openxmlformats.org/presentationml/2006/main">
   <p:cSld>
     <p:spTree>
@@ -5338,210 +5800,6 @@
     <p:extLst>
       <p:ext uri="{BB962C8B-B14F-4D97-AF65-F5344CB8AC3E}">
         <p14:creationId xmlns:p14="http://schemas.microsoft.com/office/powerpoint/2010/main" val="1262768152"/>
-      </p:ext>
-    </p:extLst>
-  </p:cSld>
-  <p:clrMapOvr>
-    <a:masterClrMapping/>
-  </p:clrMapOvr>
-</p:sld>
-</file>
-
-<file path=ppt/slides/slide2.xml><?xml version="1.0" encoding="utf-8"?>
-<p:sld xmlns:a="http://schemas.openxmlformats.org/drawingml/2006/main" xmlns:r="http://schemas.openxmlformats.org/officeDocument/2006/relationships" xmlns:p="http://schemas.openxmlformats.org/presentationml/2006/main">
-  <p:cSld>
-    <p:spTree>
-      <p:nvGrpSpPr>
-        <p:cNvPr id="1" name=""/>
-        <p:cNvGrpSpPr/>
-        <p:nvPr/>
-      </p:nvGrpSpPr>
-      <p:grpSpPr>
-        <a:xfrm>
-          <a:off x="0" y="0"/>
-          <a:ext cx="0" cy="0"/>
-          <a:chOff x="0" y="0"/>
-          <a:chExt cx="0" cy="0"/>
-        </a:xfrm>
-      </p:grpSpPr>
-      <p:sp>
-        <p:nvSpPr>
-          <p:cNvPr id="2" name="Titre 1">
-            <a:extLst>
-              <a:ext uri="{FF2B5EF4-FFF2-40B4-BE49-F238E27FC236}">
-                <a16:creationId xmlns:a16="http://schemas.microsoft.com/office/drawing/2014/main" id="{9D38F5F3-2EC9-7AE2-A0C7-6617175AFA22}"/>
-              </a:ext>
-            </a:extLst>
-          </p:cNvPr>
-          <p:cNvSpPr>
-            <a:spLocks noGrp="1"/>
-          </p:cNvSpPr>
-          <p:nvPr>
-            <p:ph type="title"/>
-          </p:nvPr>
-        </p:nvSpPr>
-        <p:spPr/>
-        <p:txBody>
-          <a:bodyPr/>
-          <a:lstStyle/>
-          <a:p>
-            <a:r>
-              <a:rPr lang="fr-FR" dirty="0"/>
-              <a:t>Protocole DHT</a:t>
-            </a:r>
-          </a:p>
-        </p:txBody>
-      </p:sp>
-      <p:sp>
-        <p:nvSpPr>
-          <p:cNvPr id="3" name="Espace réservé du contenu 2">
-            <a:extLst>
-              <a:ext uri="{FF2B5EF4-FFF2-40B4-BE49-F238E27FC236}">
-                <a16:creationId xmlns:a16="http://schemas.microsoft.com/office/drawing/2014/main" id="{D9B55325-8B91-5D0D-4DD5-52FFF91D3BB9}"/>
-              </a:ext>
-            </a:extLst>
-          </p:cNvPr>
-          <p:cNvSpPr>
-            <a:spLocks noGrp="1"/>
-          </p:cNvSpPr>
-          <p:nvPr>
-            <p:ph idx="1"/>
-          </p:nvPr>
-        </p:nvSpPr>
-        <p:spPr/>
-        <p:txBody>
-          <a:bodyPr/>
-          <a:lstStyle/>
-          <a:p>
-            <a:r>
-              <a:rPr lang="fr-FR" dirty="0"/>
-              <a:t>DHT</a:t>
-            </a:r>
-          </a:p>
-          <a:p>
-            <a:pPr lvl="1"/>
-            <a:r>
-              <a:rPr lang="fr-FR" dirty="0"/>
-              <a:t>Très peu chère</a:t>
-            </a:r>
-          </a:p>
-          <a:p>
-            <a:pPr lvl="1"/>
-            <a:r>
-              <a:rPr lang="fr-FR" dirty="0"/>
-              <a:t>Protocole propriétaire sans horloge</a:t>
-            </a:r>
-          </a:p>
-          <a:p>
-            <a:pPr lvl="1"/>
-            <a:r>
-              <a:rPr lang="fr-FR" dirty="0"/>
-              <a:t>Utilise 1 seul pin digital (30 bits à chaque requête)</a:t>
-            </a:r>
-          </a:p>
-          <a:p>
-            <a:pPr lvl="1"/>
-            <a:r>
-              <a:rPr lang="fr-FR" dirty="0"/>
-              <a:t>De ce fait il est très lent (1 secondes)</a:t>
-            </a:r>
-          </a:p>
-          <a:p>
-            <a:pPr lvl="1"/>
-            <a:r>
-              <a:rPr lang="fr-FR" dirty="0"/>
-              <a:t>Bibliothèque DHT incluse par défaut</a:t>
-            </a:r>
-          </a:p>
-          <a:p>
-            <a:pPr lvl="1"/>
-            <a:r>
-              <a:rPr lang="fr-FR" dirty="0"/>
-              <a:t>Ici le DHT11</a:t>
-            </a:r>
-          </a:p>
-          <a:p>
-            <a:pPr lvl="1"/>
-            <a:r>
-              <a:rPr lang="fr-FR" dirty="0"/>
-              <a:t>import </a:t>
-            </a:r>
-            <a:r>
-              <a:rPr lang="fr-FR" dirty="0" err="1"/>
-              <a:t>dth</a:t>
-            </a:r>
-            <a:endParaRPr lang="fr-FR" dirty="0"/>
-          </a:p>
-          <a:p>
-            <a:pPr lvl="1"/>
-            <a:r>
-              <a:rPr lang="fr-FR" dirty="0"/>
-              <a:t>dht11 = capteur = dht.DHT11(Pin(17))</a:t>
-            </a:r>
-          </a:p>
-          <a:p>
-            <a:pPr lvl="1"/>
-            <a:r>
-              <a:rPr lang="fr-FR" dirty="0" err="1"/>
-              <a:t>capteur.measure</a:t>
-            </a:r>
-            <a:r>
-              <a:rPr lang="fr-FR" dirty="0"/>
-              <a:t>()</a:t>
-            </a:r>
-          </a:p>
-          <a:p>
-            <a:pPr lvl="1"/>
-            <a:r>
-              <a:rPr lang="fr-FR" dirty="0" err="1"/>
-              <a:t>capteur.temperature</a:t>
-            </a:r>
-            <a:r>
-              <a:rPr lang="fr-FR" dirty="0"/>
-              <a:t>() et </a:t>
-            </a:r>
-            <a:r>
-              <a:rPr lang="fr-FR" dirty="0" err="1"/>
-              <a:t>humindity</a:t>
-            </a:r>
-            <a:endParaRPr lang="fr-FR" dirty="0"/>
-          </a:p>
-        </p:txBody>
-      </p:sp>
-      <p:pic>
-        <p:nvPicPr>
-          <p:cNvPr id="5" name="Image 4">
-            <a:extLst>
-              <a:ext uri="{FF2B5EF4-FFF2-40B4-BE49-F238E27FC236}">
-                <a16:creationId xmlns:a16="http://schemas.microsoft.com/office/drawing/2014/main" id="{2FD0537E-4448-4A5A-1C1B-03AF39C461FD}"/>
-              </a:ext>
-            </a:extLst>
-          </p:cNvPr>
-          <p:cNvPicPr>
-            <a:picLocks noChangeAspect="1"/>
-          </p:cNvPicPr>
-          <p:nvPr/>
-        </p:nvPicPr>
-        <p:blipFill>
-          <a:blip r:embed="rId2"/>
-          <a:stretch>
-            <a:fillRect/>
-          </a:stretch>
-        </p:blipFill>
-        <p:spPr>
-          <a:xfrm>
-            <a:off x="6372200" y="3573016"/>
-            <a:ext cx="2381582" cy="2105319"/>
-          </a:xfrm>
-          <a:prstGeom prst="rect">
-            <a:avLst/>
-          </a:prstGeom>
-        </p:spPr>
-      </p:pic>
-    </p:spTree>
-    <p:extLst>
-      <p:ext uri="{BB962C8B-B14F-4D97-AF65-F5344CB8AC3E}">
-        <p14:creationId xmlns:p14="http://schemas.microsoft.com/office/powerpoint/2010/main" val="4098682543"/>
       </p:ext>
     </p:extLst>
   </p:cSld>
@@ -5713,6 +5971,162 @@
           <p:cNvPr id="2" name="Titre 1">
             <a:extLst>
               <a:ext uri="{FF2B5EF4-FFF2-40B4-BE49-F238E27FC236}">
+                <a16:creationId xmlns:a16="http://schemas.microsoft.com/office/drawing/2014/main" id="{EEA97F18-48FC-9F0C-5F85-2F82EAAC4D19}"/>
+              </a:ext>
+            </a:extLst>
+          </p:cNvPr>
+          <p:cNvSpPr>
+            <a:spLocks noGrp="1"/>
+          </p:cNvSpPr>
+          <p:nvPr>
+            <p:ph type="title"/>
+          </p:nvPr>
+        </p:nvSpPr>
+        <p:spPr/>
+        <p:txBody>
+          <a:bodyPr/>
+          <a:lstStyle/>
+          <a:p>
+            <a:r>
+              <a:rPr lang="fr-FR" dirty="0"/>
+              <a:t>Librairies</a:t>
+            </a:r>
+          </a:p>
+        </p:txBody>
+      </p:sp>
+      <p:sp>
+        <p:nvSpPr>
+          <p:cNvPr id="3" name="Espace réservé du contenu 2">
+            <a:extLst>
+              <a:ext uri="{FF2B5EF4-FFF2-40B4-BE49-F238E27FC236}">
+                <a16:creationId xmlns:a16="http://schemas.microsoft.com/office/drawing/2014/main" id="{308EE2F0-94D2-CB85-BEA6-A344D0A3A630}"/>
+              </a:ext>
+            </a:extLst>
+          </p:cNvPr>
+          <p:cNvSpPr>
+            <a:spLocks noGrp="1"/>
+          </p:cNvSpPr>
+          <p:nvPr>
+            <p:ph idx="1"/>
+          </p:nvPr>
+        </p:nvSpPr>
+        <p:spPr/>
+        <p:txBody>
+          <a:bodyPr/>
+          <a:lstStyle/>
+          <a:p>
+            <a:r>
+              <a:rPr lang="fr-FR" dirty="0" err="1"/>
+              <a:t>Micropython</a:t>
+            </a:r>
+            <a:r>
+              <a:rPr lang="fr-FR" dirty="0"/>
+              <a:t> est livré avec un certain nombre de module</a:t>
+            </a:r>
+          </a:p>
+          <a:p>
+            <a:pPr lvl="1"/>
+            <a:r>
+              <a:rPr lang="fr-FR" dirty="0"/>
+              <a:t>Par exemple DHT</a:t>
+            </a:r>
+          </a:p>
+          <a:p>
+            <a:r>
+              <a:rPr lang="fr-FR" dirty="0"/>
+              <a:t>Il est possible d'en rajouter à volonté</a:t>
+            </a:r>
+          </a:p>
+          <a:p>
+            <a:pPr lvl="1"/>
+            <a:r>
+              <a:rPr lang="fr-FR" dirty="0"/>
+              <a:t>Fichier *.</a:t>
+            </a:r>
+            <a:r>
+              <a:rPr lang="fr-FR" dirty="0" err="1"/>
+              <a:t>py</a:t>
+            </a:r>
+            <a:endParaRPr lang="fr-FR" dirty="0"/>
+          </a:p>
+          <a:p>
+            <a:pPr lvl="1"/>
+            <a:r>
+              <a:rPr lang="fr-FR" dirty="0"/>
+              <a:t>Copier coller à la racine de l'ESP32</a:t>
+            </a:r>
+          </a:p>
+          <a:p>
+            <a:pPr lvl="1"/>
+            <a:r>
+              <a:rPr lang="fr-FR" dirty="0"/>
+              <a:t>import nom_module.py</a:t>
+            </a:r>
+          </a:p>
+          <a:p>
+            <a:pPr lvl="1"/>
+            <a:r>
+              <a:rPr lang="fr-FR" dirty="0"/>
+              <a:t>Dans la limite de la RAM</a:t>
+            </a:r>
+          </a:p>
+          <a:p>
+            <a:r>
+              <a:rPr lang="fr-FR" dirty="0"/>
+              <a:t>De nombreux modules existent</a:t>
+            </a:r>
+          </a:p>
+          <a:p>
+            <a:pPr lvl="1"/>
+            <a:r>
+              <a:rPr lang="fr-FR">
+                <a:hlinkClick r:id="rId2"/>
+              </a:rPr>
+              <a:t>https://github.com/mcauser/awesome-micropython</a:t>
+            </a:r>
+            <a:endParaRPr lang="fr-FR"/>
+          </a:p>
+          <a:p>
+            <a:pPr lvl="1"/>
+            <a:endParaRPr lang="fr-FR" dirty="0"/>
+          </a:p>
+        </p:txBody>
+      </p:sp>
+    </p:spTree>
+    <p:extLst>
+      <p:ext uri="{BB962C8B-B14F-4D97-AF65-F5344CB8AC3E}">
+        <p14:creationId xmlns:p14="http://schemas.microsoft.com/office/powerpoint/2010/main" val="1291797350"/>
+      </p:ext>
+    </p:extLst>
+  </p:cSld>
+  <p:clrMapOvr>
+    <a:masterClrMapping/>
+  </p:clrMapOvr>
+</p:sld>
+</file>
+
+<file path=ppt/slides/slide5.xml><?xml version="1.0" encoding="utf-8"?>
+<p:sld xmlns:a="http://schemas.openxmlformats.org/drawingml/2006/main" xmlns:r="http://schemas.openxmlformats.org/officeDocument/2006/relationships" xmlns:p="http://schemas.openxmlformats.org/presentationml/2006/main">
+  <p:cSld>
+    <p:spTree>
+      <p:nvGrpSpPr>
+        <p:cNvPr id="1" name=""/>
+        <p:cNvGrpSpPr/>
+        <p:nvPr/>
+      </p:nvGrpSpPr>
+      <p:grpSpPr>
+        <a:xfrm>
+          <a:off x="0" y="0"/>
+          <a:ext cx="0" cy="0"/>
+          <a:chOff x="0" y="0"/>
+          <a:chExt cx="0" cy="0"/>
+        </a:xfrm>
+      </p:grpSpPr>
+      <p:sp>
+        <p:nvSpPr>
+          <p:cNvPr id="2" name="Titre 1">
+            <a:extLst>
+              <a:ext uri="{FF2B5EF4-FFF2-40B4-BE49-F238E27FC236}">
                 <a16:creationId xmlns:a16="http://schemas.microsoft.com/office/drawing/2014/main" id="{BE9FDABE-0D98-6750-62DE-5F18AC44EE2B}"/>
               </a:ext>
             </a:extLst>
@@ -5802,7 +6216,7 @@
 </p:sld>
 </file>
 
-<file path=ppt/slides/slide5.xml><?xml version="1.0" encoding="utf-8"?>
+<file path=ppt/slides/slide6.xml><?xml version="1.0" encoding="utf-8"?>
 <p:sld xmlns:a="http://schemas.openxmlformats.org/drawingml/2006/main" xmlns:r="http://schemas.openxmlformats.org/officeDocument/2006/relationships" xmlns:p="http://schemas.openxmlformats.org/presentationml/2006/main">
   <p:cSld>
     <p:spTree>
@@ -5947,7 +6361,7 @@
 </p:sld>
 </file>
 
-<file path=ppt/slides/slide6.xml><?xml version="1.0" encoding="utf-8"?>
+<file path=ppt/slides/slide7.xml><?xml version="1.0" encoding="utf-8"?>
 <p:sld xmlns:a="http://schemas.openxmlformats.org/drawingml/2006/main" xmlns:r="http://schemas.openxmlformats.org/officeDocument/2006/relationships" xmlns:p="http://schemas.openxmlformats.org/presentationml/2006/main">
   <p:cSld>
     <p:spTree>
@@ -6133,7 +6547,7 @@
 </p:sld>
 </file>
 
-<file path=ppt/slides/slide7.xml><?xml version="1.0" encoding="utf-8"?>
+<file path=ppt/slides/slide8.xml><?xml version="1.0" encoding="utf-8"?>
 <p:sld xmlns:a="http://schemas.openxmlformats.org/drawingml/2006/main" xmlns:r="http://schemas.openxmlformats.org/officeDocument/2006/relationships" xmlns:p="http://schemas.openxmlformats.org/presentationml/2006/main">
   <p:cSld>
     <p:spTree>
@@ -6235,7 +6649,7 @@
 </p:sld>
 </file>
 
-<file path=ppt/slides/slide8.xml><?xml version="1.0" encoding="utf-8"?>
+<file path=ppt/slides/slide9.xml><?xml version="1.0" encoding="utf-8"?>
 <p:sld xmlns:a="http://schemas.openxmlformats.org/drawingml/2006/main" xmlns:r="http://schemas.openxmlformats.org/officeDocument/2006/relationships" xmlns:p="http://schemas.openxmlformats.org/presentationml/2006/main">
   <p:cSld>
     <p:spTree>
@@ -6346,132 +6760,6 @@
     <p:extLst>
       <p:ext uri="{BB962C8B-B14F-4D97-AF65-F5344CB8AC3E}">
         <p14:creationId xmlns:p14="http://schemas.microsoft.com/office/powerpoint/2010/main" val="37913489"/>
-      </p:ext>
-    </p:extLst>
-  </p:cSld>
-  <p:clrMapOvr>
-    <a:masterClrMapping/>
-  </p:clrMapOvr>
-</p:sld>
-</file>
-
-<file path=ppt/slides/slide9.xml><?xml version="1.0" encoding="utf-8"?>
-<p:sld xmlns:a="http://schemas.openxmlformats.org/drawingml/2006/main" xmlns:r="http://schemas.openxmlformats.org/officeDocument/2006/relationships" xmlns:p="http://schemas.openxmlformats.org/presentationml/2006/main">
-  <p:cSld>
-    <p:spTree>
-      <p:nvGrpSpPr>
-        <p:cNvPr id="1" name=""/>
-        <p:cNvGrpSpPr/>
-        <p:nvPr/>
-      </p:nvGrpSpPr>
-      <p:grpSpPr>
-        <a:xfrm>
-          <a:off x="0" y="0"/>
-          <a:ext cx="0" cy="0"/>
-          <a:chOff x="0" y="0"/>
-          <a:chExt cx="0" cy="0"/>
-        </a:xfrm>
-      </p:grpSpPr>
-      <p:sp>
-        <p:nvSpPr>
-          <p:cNvPr id="2" name="Titre 1">
-            <a:extLst>
-              <a:ext uri="{FF2B5EF4-FFF2-40B4-BE49-F238E27FC236}">
-                <a16:creationId xmlns:a16="http://schemas.microsoft.com/office/drawing/2014/main" id="{32944F62-F0B8-697C-761E-5F625F27C993}"/>
-              </a:ext>
-            </a:extLst>
-          </p:cNvPr>
-          <p:cNvSpPr>
-            <a:spLocks noGrp="1"/>
-          </p:cNvSpPr>
-          <p:nvPr>
-            <p:ph type="title"/>
-          </p:nvPr>
-        </p:nvSpPr>
-        <p:spPr/>
-        <p:txBody>
-          <a:bodyPr/>
-          <a:lstStyle/>
-          <a:p>
-            <a:r>
-              <a:rPr lang="fr-FR" dirty="0"/>
-              <a:t>I2C</a:t>
-            </a:r>
-          </a:p>
-        </p:txBody>
-      </p:sp>
-      <p:sp>
-        <p:nvSpPr>
-          <p:cNvPr id="3" name="Espace réservé du contenu 2">
-            <a:extLst>
-              <a:ext uri="{FF2B5EF4-FFF2-40B4-BE49-F238E27FC236}">
-                <a16:creationId xmlns:a16="http://schemas.microsoft.com/office/drawing/2014/main" id="{17FA0753-ED80-146A-AF08-68D11A6FAA8F}"/>
-              </a:ext>
-            </a:extLst>
-          </p:cNvPr>
-          <p:cNvSpPr>
-            <a:spLocks noGrp="1"/>
-          </p:cNvSpPr>
-          <p:nvPr>
-            <p:ph idx="1"/>
-          </p:nvPr>
-        </p:nvSpPr>
-        <p:spPr/>
-        <p:txBody>
-          <a:bodyPr/>
-          <a:lstStyle/>
-          <a:p>
-            <a:r>
-              <a:rPr lang="fr-FR" dirty="0"/>
-              <a:t>Sur ESP32 il y a 1 bus I2C</a:t>
-            </a:r>
-          </a:p>
-          <a:p>
-            <a:pPr lvl="1"/>
-            <a:r>
-              <a:rPr lang="fr-FR" dirty="0"/>
-              <a:t>21 = SDA</a:t>
-            </a:r>
-          </a:p>
-          <a:p>
-            <a:pPr lvl="1"/>
-            <a:r>
-              <a:rPr lang="fr-FR" dirty="0"/>
-              <a:t>22 = SCL</a:t>
-            </a:r>
-          </a:p>
-          <a:p>
-            <a:pPr lvl="1"/>
-            <a:r>
-              <a:rPr lang="fr-FR" dirty="0"/>
-              <a:t>Il est possible de brancher tous les périphériques I2C sur le même port I2C</a:t>
-            </a:r>
-          </a:p>
-          <a:p>
-            <a:r>
-              <a:rPr lang="fr-FR" dirty="0"/>
-              <a:t>machine.I2C</a:t>
-            </a:r>
-          </a:p>
-          <a:p>
-            <a:r>
-              <a:rPr lang="fr-FR" dirty="0"/>
-              <a:t>Il est possible d'émuler de l'I2C sur tus les ports en sortie</a:t>
-            </a:r>
-          </a:p>
-          <a:p>
-            <a:pPr lvl="1"/>
-            <a:r>
-              <a:rPr lang="fr-FR" dirty="0"/>
-              <a:t>Remplacer machine.I2C par machine.SoftI2C</a:t>
-            </a:r>
-          </a:p>
-        </p:txBody>
-      </p:sp>
-    </p:spTree>
-    <p:extLst>
-      <p:ext uri="{BB962C8B-B14F-4D97-AF65-F5344CB8AC3E}">
-        <p14:creationId xmlns:p14="http://schemas.microsoft.com/office/powerpoint/2010/main" val="2295480703"/>
       </p:ext>
     </p:extLst>
   </p:cSld>
